--- a/doc/01. 프로젝트 설계/01. 소프트웨어 요구사항 명세서/2조 구조.pptx
+++ b/doc/01. 프로젝트 설계/01. 소프트웨어 요구사항 명세서/2조 구조.pptx
@@ -7,6 +7,7 @@
   <p:sldIdLst>
     <p:sldId id="256" r:id="rId2"/>
     <p:sldId id="257" r:id="rId3"/>
+    <p:sldId id="258" r:id="rId4"/>
   </p:sldIdLst>
   <p:sldSz cx="12192000" cy="6858000"/>
   <p:notesSz cx="6858000" cy="9144000"/>
@@ -105,6 +106,11 @@
       </a:defRPr>
     </a:lvl9pPr>
   </p:defaultTextStyle>
+  <p:extLst>
+    <p:ext uri="{EFAFB233-063F-42B5-8137-9DF3F51BA10A}">
+      <p15:sldGuideLst xmlns:p15="http://schemas.microsoft.com/office/powerpoint/2012/main"/>
+    </p:ext>
+  </p:extLst>
 </p:presentation>
 </file>
 
@@ -4106,6 +4112,315 @@
 </p:sld>
 </file>
 
+<file path=ppt/slides/slide3.xml><?xml version="1.0" encoding="utf-8"?>
+<p:sld xmlns:a="http://schemas.openxmlformats.org/drawingml/2006/main" xmlns:r="http://schemas.openxmlformats.org/officeDocument/2006/relationships" xmlns:p="http://schemas.openxmlformats.org/presentationml/2006/main">
+  <p:cSld>
+    <p:spTree>
+      <p:nvGrpSpPr>
+        <p:cNvPr id="1" name=""/>
+        <p:cNvGrpSpPr/>
+        <p:nvPr/>
+      </p:nvGrpSpPr>
+      <p:grpSpPr>
+        <a:xfrm>
+          <a:off x="0" y="0"/>
+          <a:ext cx="0" cy="0"/>
+          <a:chOff x="0" y="0"/>
+          <a:chExt cx="0" cy="0"/>
+        </a:xfrm>
+      </p:grpSpPr>
+      <p:sp>
+        <p:nvSpPr>
+          <p:cNvPr id="2" name="TextBox 1"/>
+          <p:cNvSpPr txBox="1"/>
+          <p:nvPr/>
+        </p:nvSpPr>
+        <p:spPr>
+          <a:xfrm>
+            <a:off x="319177" y="224287"/>
+            <a:ext cx="11542144" cy="6186309"/>
+          </a:xfrm>
+          <a:prstGeom prst="rect">
+            <a:avLst/>
+          </a:prstGeom>
+          <a:noFill/>
+        </p:spPr>
+        <p:txBody>
+          <a:bodyPr wrap="square" rtlCol="0">
+            <a:spAutoFit/>
+          </a:bodyPr>
+          <a:lstStyle/>
+          <a:p>
+            <a:r>
+              <a:rPr lang="ko-KR" altLang="en-US" dirty="0" smtClean="0"/>
+              <a:t>준비물 </a:t>
+            </a:r>
+            <a:endParaRPr lang="en-US" altLang="ko-KR" dirty="0" smtClean="0"/>
+          </a:p>
+          <a:p>
+            <a:r>
+              <a:rPr lang="en-US" altLang="ko-KR" dirty="0" smtClean="0"/>
+              <a:t>Raspberry pi 4 2</a:t>
+            </a:r>
+            <a:r>
+              <a:rPr lang="ko-KR" altLang="en-US" dirty="0" smtClean="0"/>
+              <a:t>개</a:t>
+            </a:r>
+            <a:r>
+              <a:rPr lang="en-US" altLang="ko-KR" dirty="0" smtClean="0"/>
+              <a:t>, Pi cam – 2</a:t>
+            </a:r>
+            <a:r>
+              <a:rPr lang="ko-KR" altLang="en-US" dirty="0" smtClean="0"/>
+              <a:t>개</a:t>
+            </a:r>
+            <a:r>
+              <a:rPr lang="en-US" altLang="ko-KR" dirty="0" smtClean="0"/>
+              <a:t>, </a:t>
+            </a:r>
+            <a:r>
+              <a:rPr lang="ko-KR" altLang="en-US" dirty="0" smtClean="0"/>
+              <a:t>적외선 센서 </a:t>
+            </a:r>
+            <a:r>
+              <a:rPr lang="en-US" altLang="ko-KR" dirty="0" smtClean="0"/>
+              <a:t>2</a:t>
+            </a:r>
+            <a:r>
+              <a:rPr lang="ko-KR" altLang="en-US" dirty="0" smtClean="0"/>
+              <a:t>개</a:t>
+            </a:r>
+            <a:r>
+              <a:rPr lang="en-US" altLang="ko-KR" dirty="0" smtClean="0"/>
+              <a:t>, </a:t>
+            </a:r>
+            <a:r>
+              <a:rPr lang="ko-KR" altLang="en-US" dirty="0" smtClean="0"/>
+              <a:t>컨베이어벨트 키트</a:t>
+            </a:r>
+            <a:r>
+              <a:rPr lang="en-US" altLang="ko-KR" dirty="0" smtClean="0"/>
+              <a:t>, </a:t>
+            </a:r>
+            <a:r>
+              <a:rPr lang="ko-KR" altLang="en-US" dirty="0" smtClean="0"/>
+              <a:t>로봇 팔 키트</a:t>
+            </a:r>
+            <a:endParaRPr lang="en-US" altLang="ko-KR" dirty="0"/>
+          </a:p>
+          <a:p>
+            <a:endParaRPr lang="en-US" altLang="ko-KR" dirty="0" smtClean="0"/>
+          </a:p>
+          <a:p>
+            <a:r>
+              <a:rPr lang="ko-KR" altLang="en-US" dirty="0" smtClean="0"/>
+              <a:t>공통</a:t>
+            </a:r>
+            <a:r>
+              <a:rPr lang="en-US" altLang="ko-KR" dirty="0"/>
+              <a:t> </a:t>
+            </a:r>
+            <a:r>
+              <a:rPr lang="ko-KR" altLang="en-US" dirty="0" smtClean="0"/>
+              <a:t>업무</a:t>
+            </a:r>
+            <a:endParaRPr lang="en-US" altLang="ko-KR" dirty="0" smtClean="0"/>
+          </a:p>
+          <a:p>
+            <a:r>
+              <a:rPr lang="ko-KR" altLang="en-US" dirty="0" smtClean="0"/>
+              <a:t> </a:t>
+            </a:r>
+            <a:r>
+              <a:rPr lang="en-US" altLang="ko-KR" dirty="0" smtClean="0"/>
+              <a:t>- </a:t>
+            </a:r>
+            <a:r>
+              <a:rPr lang="ko-KR" altLang="en-US" dirty="0" smtClean="0"/>
+              <a:t>전체적인 시나리오</a:t>
+            </a:r>
+            <a:endParaRPr lang="en-US" altLang="ko-KR" dirty="0" smtClean="0"/>
+          </a:p>
+          <a:p>
+            <a:r>
+              <a:rPr lang="en-US" altLang="ko-KR" dirty="0" smtClean="0"/>
+              <a:t> </a:t>
+            </a:r>
+          </a:p>
+          <a:p>
+            <a:r>
+              <a:rPr lang="ko-KR" altLang="en-US" dirty="0" smtClean="0"/>
+              <a:t>류정석</a:t>
+            </a:r>
+            <a:endParaRPr lang="en-US" altLang="ko-KR" dirty="0"/>
+          </a:p>
+          <a:p>
+            <a:pPr marL="285750" indent="-285750">
+              <a:buFont typeface="Arial" panose="020B0604020202020204" pitchFamily="34" charset="0"/>
+              <a:buChar char="•"/>
+            </a:pPr>
+            <a:r>
+              <a:rPr lang="en-US" altLang="ko-KR" dirty="0" smtClean="0"/>
+              <a:t>Raspberry pi</a:t>
+            </a:r>
+          </a:p>
+          <a:p>
+            <a:r>
+              <a:rPr lang="ko-KR" altLang="en-US" dirty="0" smtClean="0"/>
+              <a:t> </a:t>
+            </a:r>
+            <a:r>
+              <a:rPr lang="en-US" altLang="ko-KR" dirty="0" smtClean="0"/>
+              <a:t>- </a:t>
+            </a:r>
+            <a:r>
+              <a:rPr lang="ko-KR" altLang="en-US" dirty="0" smtClean="0"/>
+              <a:t>모터 및 센서 제어</a:t>
+            </a:r>
+            <a:endParaRPr lang="en-US" altLang="ko-KR" dirty="0" smtClean="0"/>
+          </a:p>
+          <a:p>
+            <a:r>
+              <a:rPr lang="en-US" altLang="ko-KR" dirty="0" smtClean="0"/>
+              <a:t> - 3D </a:t>
+            </a:r>
+            <a:r>
+              <a:rPr lang="ko-KR" altLang="en-US" dirty="0" smtClean="0"/>
+              <a:t>모델링</a:t>
+            </a:r>
+            <a:endParaRPr lang="en-US" altLang="ko-KR" dirty="0" smtClean="0"/>
+          </a:p>
+          <a:p>
+            <a:pPr marL="342900" indent="-342900">
+              <a:buAutoNum type="arabicPeriod"/>
+            </a:pPr>
+            <a:endParaRPr lang="en-US" altLang="ko-KR" dirty="0"/>
+          </a:p>
+          <a:p>
+            <a:r>
+              <a:rPr lang="ko-KR" altLang="en-US" dirty="0" smtClean="0"/>
+              <a:t>민준규</a:t>
+            </a:r>
+            <a:endParaRPr lang="en-US" altLang="ko-KR" dirty="0" smtClean="0"/>
+          </a:p>
+          <a:p>
+            <a:pPr marL="285750" indent="-285750">
+              <a:buFont typeface="Arial" panose="020B0604020202020204" pitchFamily="34" charset="0"/>
+              <a:buChar char="•"/>
+            </a:pPr>
+            <a:r>
+              <a:rPr lang="en-US" altLang="ko-KR" dirty="0" smtClean="0"/>
+              <a:t>Raspberry pi</a:t>
+            </a:r>
+          </a:p>
+          <a:p>
+            <a:r>
+              <a:rPr lang="en-US" altLang="ko-KR" dirty="0" smtClean="0"/>
+              <a:t> - </a:t>
+            </a:r>
+            <a:r>
+              <a:rPr lang="en-US" altLang="ko-KR" dirty="0" err="1" smtClean="0"/>
+              <a:t>OpenCV</a:t>
+            </a:r>
+            <a:r>
+              <a:rPr lang="ko-KR" altLang="en-US" dirty="0" smtClean="0"/>
+              <a:t>를 활용한 영상처리</a:t>
+            </a:r>
+            <a:endParaRPr lang="en-US" altLang="ko-KR" dirty="0" smtClean="0"/>
+          </a:p>
+          <a:p>
+            <a:pPr marL="342900" indent="-342900">
+              <a:buAutoNum type="arabicPeriod"/>
+            </a:pPr>
+            <a:endParaRPr lang="en-US" altLang="ko-KR" dirty="0"/>
+          </a:p>
+          <a:p>
+            <a:r>
+              <a:rPr lang="ko-KR" altLang="en-US" dirty="0" smtClean="0"/>
+              <a:t>서동현</a:t>
+            </a:r>
+            <a:endParaRPr lang="en-US" altLang="ko-KR" dirty="0" smtClean="0"/>
+          </a:p>
+          <a:p>
+            <a:pPr marL="285750" indent="-285750">
+              <a:buFont typeface="Arial" panose="020B0604020202020204" pitchFamily="34" charset="0"/>
+              <a:buChar char="•"/>
+            </a:pPr>
+            <a:r>
+              <a:rPr lang="ko-KR" altLang="en-US" dirty="0" smtClean="0"/>
+              <a:t>디스플레이</a:t>
+            </a:r>
+            <a:r>
+              <a:rPr lang="en-US" altLang="ko-KR" dirty="0" smtClean="0"/>
+              <a:t>(UI)</a:t>
+            </a:r>
+          </a:p>
+          <a:p>
+            <a:r>
+              <a:rPr lang="en-US" altLang="ko-KR" dirty="0" smtClean="0"/>
+              <a:t> - </a:t>
+            </a:r>
+            <a:r>
+              <a:rPr lang="en-US" altLang="ko-KR" dirty="0" err="1" smtClean="0"/>
+              <a:t>Winform</a:t>
+            </a:r>
+            <a:r>
+              <a:rPr lang="ko-KR" altLang="en-US" dirty="0" smtClean="0"/>
+              <a:t>과 </a:t>
+            </a:r>
+            <a:r>
+              <a:rPr lang="en-US" altLang="ko-KR" dirty="0" smtClean="0"/>
+              <a:t>Oracle DB </a:t>
+            </a:r>
+            <a:r>
+              <a:rPr lang="ko-KR" altLang="en-US" dirty="0" smtClean="0"/>
+              <a:t>연동하여 시각화</a:t>
+            </a:r>
+            <a:endParaRPr lang="en-US" altLang="ko-KR" dirty="0" smtClean="0"/>
+          </a:p>
+          <a:p>
+            <a:endParaRPr lang="en-US" altLang="ko-KR" dirty="0"/>
+          </a:p>
+          <a:p>
+            <a:r>
+              <a:rPr lang="ko-KR" altLang="en-US" dirty="0" smtClean="0"/>
+              <a:t>김준우</a:t>
+            </a:r>
+            <a:endParaRPr lang="en-US" altLang="ko-KR" dirty="0" smtClean="0"/>
+          </a:p>
+          <a:p>
+            <a:pPr marL="285750" indent="-285750">
+              <a:buFont typeface="Arial" panose="020B0604020202020204" pitchFamily="34" charset="0"/>
+              <a:buChar char="•"/>
+            </a:pPr>
+            <a:r>
+              <a:rPr lang="en-US" altLang="ko-KR" dirty="0" smtClean="0"/>
+              <a:t>TCP/IP Server </a:t>
+            </a:r>
+            <a:r>
+              <a:rPr lang="ko-KR" altLang="en-US" dirty="0" smtClean="0"/>
+              <a:t>설계</a:t>
+            </a:r>
+            <a:endParaRPr lang="en-US" altLang="ko-KR" dirty="0" smtClean="0"/>
+          </a:p>
+          <a:p>
+            <a:endParaRPr lang="en-US" altLang="ko-KR" dirty="0" smtClean="0"/>
+          </a:p>
+        </p:txBody>
+      </p:sp>
+    </p:spTree>
+    <p:extLst>
+      <p:ext uri="{BB962C8B-B14F-4D97-AF65-F5344CB8AC3E}">
+        <p14:creationId xmlns:p14="http://schemas.microsoft.com/office/powerpoint/2010/main" val="443444870"/>
+      </p:ext>
+    </p:extLst>
+  </p:cSld>
+  <p:clrMapOvr>
+    <a:masterClrMapping/>
+  </p:clrMapOvr>
+</p:sld>
+</file>
+
 <file path=ppt/theme/theme1.xml><?xml version="1.0" encoding="utf-8"?>
 <a:theme xmlns:a="http://schemas.openxmlformats.org/drawingml/2006/main" name="Office 테마">
   <a:themeElements>

--- a/doc/01. 프로젝트 설계/01. 소프트웨어 요구사항 명세서/2조 구조.pptx
+++ b/doc/01. 프로젝트 설계/01. 소프트웨어 요구사항 명세서/2조 구조.pptx
@@ -245,7 +245,7 @@
           <a:p>
             <a:fld id="{BA4B8FC4-2B94-4981-BC67-E9D8349045A8}" type="datetimeFigureOut">
               <a:rPr lang="ko-KR" altLang="en-US" smtClean="0"/>
-              <a:t>2021-07-17</a:t>
+              <a:t>2021-07-20</a:t>
             </a:fld>
             <a:endParaRPr lang="ko-KR" altLang="en-US"/>
           </a:p>
@@ -415,7 +415,7 @@
           <a:p>
             <a:fld id="{BA4B8FC4-2B94-4981-BC67-E9D8349045A8}" type="datetimeFigureOut">
               <a:rPr lang="ko-KR" altLang="en-US" smtClean="0"/>
-              <a:t>2021-07-17</a:t>
+              <a:t>2021-07-20</a:t>
             </a:fld>
             <a:endParaRPr lang="ko-KR" altLang="en-US"/>
           </a:p>
@@ -595,7 +595,7 @@
           <a:p>
             <a:fld id="{BA4B8FC4-2B94-4981-BC67-E9D8349045A8}" type="datetimeFigureOut">
               <a:rPr lang="ko-KR" altLang="en-US" smtClean="0"/>
-              <a:t>2021-07-17</a:t>
+              <a:t>2021-07-20</a:t>
             </a:fld>
             <a:endParaRPr lang="ko-KR" altLang="en-US"/>
           </a:p>
@@ -765,7 +765,7 @@
           <a:p>
             <a:fld id="{BA4B8FC4-2B94-4981-BC67-E9D8349045A8}" type="datetimeFigureOut">
               <a:rPr lang="ko-KR" altLang="en-US" smtClean="0"/>
-              <a:t>2021-07-17</a:t>
+              <a:t>2021-07-20</a:t>
             </a:fld>
             <a:endParaRPr lang="ko-KR" altLang="en-US"/>
           </a:p>
@@ -1011,7 +1011,7 @@
           <a:p>
             <a:fld id="{BA4B8FC4-2B94-4981-BC67-E9D8349045A8}" type="datetimeFigureOut">
               <a:rPr lang="ko-KR" altLang="en-US" smtClean="0"/>
-              <a:t>2021-07-17</a:t>
+              <a:t>2021-07-20</a:t>
             </a:fld>
             <a:endParaRPr lang="ko-KR" altLang="en-US"/>
           </a:p>
@@ -1243,7 +1243,7 @@
           <a:p>
             <a:fld id="{BA4B8FC4-2B94-4981-BC67-E9D8349045A8}" type="datetimeFigureOut">
               <a:rPr lang="ko-KR" altLang="en-US" smtClean="0"/>
-              <a:t>2021-07-17</a:t>
+              <a:t>2021-07-20</a:t>
             </a:fld>
             <a:endParaRPr lang="ko-KR" altLang="en-US"/>
           </a:p>
@@ -1610,7 +1610,7 @@
           <a:p>
             <a:fld id="{BA4B8FC4-2B94-4981-BC67-E9D8349045A8}" type="datetimeFigureOut">
               <a:rPr lang="ko-KR" altLang="en-US" smtClean="0"/>
-              <a:t>2021-07-17</a:t>
+              <a:t>2021-07-20</a:t>
             </a:fld>
             <a:endParaRPr lang="ko-KR" altLang="en-US"/>
           </a:p>
@@ -1728,7 +1728,7 @@
           <a:p>
             <a:fld id="{BA4B8FC4-2B94-4981-BC67-E9D8349045A8}" type="datetimeFigureOut">
               <a:rPr lang="ko-KR" altLang="en-US" smtClean="0"/>
-              <a:t>2021-07-17</a:t>
+              <a:t>2021-07-20</a:t>
             </a:fld>
             <a:endParaRPr lang="ko-KR" altLang="en-US"/>
           </a:p>
@@ -1823,7 +1823,7 @@
           <a:p>
             <a:fld id="{BA4B8FC4-2B94-4981-BC67-E9D8349045A8}" type="datetimeFigureOut">
               <a:rPr lang="ko-KR" altLang="en-US" smtClean="0"/>
-              <a:t>2021-07-17</a:t>
+              <a:t>2021-07-20</a:t>
             </a:fld>
             <a:endParaRPr lang="ko-KR" altLang="en-US"/>
           </a:p>
@@ -2100,7 +2100,7 @@
           <a:p>
             <a:fld id="{BA4B8FC4-2B94-4981-BC67-E9D8349045A8}" type="datetimeFigureOut">
               <a:rPr lang="ko-KR" altLang="en-US" smtClean="0"/>
-              <a:t>2021-07-17</a:t>
+              <a:t>2021-07-20</a:t>
             </a:fld>
             <a:endParaRPr lang="ko-KR" altLang="en-US"/>
           </a:p>
@@ -2353,7 +2353,7 @@
           <a:p>
             <a:fld id="{BA4B8FC4-2B94-4981-BC67-E9D8349045A8}" type="datetimeFigureOut">
               <a:rPr lang="ko-KR" altLang="en-US" smtClean="0"/>
-              <a:t>2021-07-17</a:t>
+              <a:t>2021-07-20</a:t>
             </a:fld>
             <a:endParaRPr lang="ko-KR" altLang="en-US"/>
           </a:p>
@@ -2566,7 +2566,7 @@
           <a:p>
             <a:fld id="{BA4B8FC4-2B94-4981-BC67-E9D8349045A8}" type="datetimeFigureOut">
               <a:rPr lang="ko-KR" altLang="en-US" smtClean="0"/>
-              <a:t>2021-07-17</a:t>
+              <a:t>2021-07-20</a:t>
             </a:fld>
             <a:endParaRPr lang="ko-KR" altLang="en-US"/>
           </a:p>
@@ -4138,7 +4138,7 @@
         <p:spPr>
           <a:xfrm>
             <a:off x="319177" y="224287"/>
-            <a:ext cx="11542144" cy="6186309"/>
+            <a:ext cx="11542144" cy="5632311"/>
           </a:xfrm>
           <a:prstGeom prst="rect">
             <a:avLst/>
@@ -4237,15 +4237,61 @@
             </a:r>
             <a:r>
               <a:rPr lang="ko-KR" altLang="en-US" dirty="0" smtClean="0"/>
-              <a:t>전체적인 시나리오</a:t>
+              <a:t>전체적인 </a:t>
+            </a:r>
+            <a:r>
+              <a:rPr lang="ko-KR" altLang="en-US" dirty="0" smtClean="0"/>
+              <a:t>시나리오</a:t>
             </a:r>
             <a:endParaRPr lang="en-US" altLang="ko-KR" dirty="0" smtClean="0"/>
           </a:p>
           <a:p>
             <a:r>
+              <a:rPr lang="en-US" altLang="ko-KR" dirty="0"/>
+              <a:t> </a:t>
+            </a:r>
+            <a:r>
               <a:rPr lang="en-US" altLang="ko-KR" dirty="0" smtClean="0"/>
-              <a:t> </a:t>
-            </a:r>
+              <a:t>- </a:t>
+            </a:r>
+            <a:r>
+              <a:rPr lang="ko-KR" altLang="en-US" dirty="0"/>
+              <a:t>디스플레이</a:t>
+            </a:r>
+            <a:r>
+              <a:rPr lang="en-US" altLang="ko-KR" dirty="0"/>
+              <a:t>(UI)</a:t>
+            </a:r>
+          </a:p>
+          <a:p>
+            <a:r>
+              <a:rPr lang="en-US" altLang="ko-KR" dirty="0"/>
+              <a:t>  </a:t>
+            </a:r>
+            <a:r>
+              <a:rPr lang="en-US" altLang="ko-KR" dirty="0" smtClean="0"/>
+              <a:t>  -</a:t>
+            </a:r>
+            <a:r>
+              <a:rPr lang="en-US" altLang="ko-KR" dirty="0" err="1" smtClean="0"/>
+              <a:t>Winform</a:t>
+            </a:r>
+            <a:r>
+              <a:rPr lang="ko-KR" altLang="en-US" dirty="0"/>
+              <a:t>과 </a:t>
+            </a:r>
+            <a:r>
+              <a:rPr lang="en-US" altLang="ko-KR" dirty="0"/>
+              <a:t>Oracle DB </a:t>
+            </a:r>
+            <a:r>
+              <a:rPr lang="ko-KR" altLang="en-US" dirty="0"/>
+              <a:t>연동하여 시각화</a:t>
+            </a:r>
+            <a:endParaRPr lang="en-US" altLang="ko-KR" dirty="0"/>
+          </a:p>
+          <a:p>
+            <a:endParaRPr lang="en-US" altLang="ko-KR" dirty="0" smtClean="0"/>
           </a:p>
           <a:p>
             <a:r>
@@ -4325,56 +4371,6 @@
             <a:r>
               <a:rPr lang="ko-KR" altLang="en-US" dirty="0" smtClean="0"/>
               <a:t>를 활용한 영상처리</a:t>
-            </a:r>
-            <a:endParaRPr lang="en-US" altLang="ko-KR" dirty="0" smtClean="0"/>
-          </a:p>
-          <a:p>
-            <a:pPr marL="342900" indent="-342900">
-              <a:buAutoNum type="arabicPeriod"/>
-            </a:pPr>
-            <a:endParaRPr lang="en-US" altLang="ko-KR" dirty="0"/>
-          </a:p>
-          <a:p>
-            <a:r>
-              <a:rPr lang="ko-KR" altLang="en-US" dirty="0" smtClean="0"/>
-              <a:t>서동현</a:t>
-            </a:r>
-            <a:endParaRPr lang="en-US" altLang="ko-KR" dirty="0" smtClean="0"/>
-          </a:p>
-          <a:p>
-            <a:pPr marL="285750" indent="-285750">
-              <a:buFont typeface="Arial" panose="020B0604020202020204" pitchFamily="34" charset="0"/>
-              <a:buChar char="•"/>
-            </a:pPr>
-            <a:r>
-              <a:rPr lang="ko-KR" altLang="en-US" dirty="0" smtClean="0"/>
-              <a:t>디스플레이</a:t>
-            </a:r>
-            <a:r>
-              <a:rPr lang="en-US" altLang="ko-KR" dirty="0" smtClean="0"/>
-              <a:t>(UI)</a:t>
-            </a:r>
-          </a:p>
-          <a:p>
-            <a:r>
-              <a:rPr lang="en-US" altLang="ko-KR" dirty="0" smtClean="0"/>
-              <a:t> - </a:t>
-            </a:r>
-            <a:r>
-              <a:rPr lang="en-US" altLang="ko-KR" dirty="0" err="1" smtClean="0"/>
-              <a:t>Winform</a:t>
-            </a:r>
-            <a:r>
-              <a:rPr lang="ko-KR" altLang="en-US" dirty="0" smtClean="0"/>
-              <a:t>과 </a:t>
-            </a:r>
-            <a:r>
-              <a:rPr lang="en-US" altLang="ko-KR" dirty="0" smtClean="0"/>
-              <a:t>Oracle DB </a:t>
-            </a:r>
-            <a:r>
-              <a:rPr lang="ko-KR" altLang="en-US" dirty="0" smtClean="0"/>
-              <a:t>연동하여 시각화</a:t>
             </a:r>
             <a:endParaRPr lang="en-US" altLang="ko-KR" dirty="0" smtClean="0"/>
           </a:p>

--- a/doc/01. 프로젝트 설계/01. 소프트웨어 요구사항 명세서/2조 구조.pptx
+++ b/doc/01. 프로젝트 설계/01. 소프트웨어 요구사항 명세서/2조 구조.pptx
@@ -156,10 +156,9 @@
           </a:lstStyle>
           <a:p>
             <a:r>
-              <a:rPr lang="ko-KR" altLang="en-US" smtClean="0"/>
+              <a:rPr lang="ko-KR" altLang="en-US"/>
               <a:t>마스터 제목 스타일 편집</a:t>
             </a:r>
-            <a:endParaRPr lang="ko-KR" altLang="en-US"/>
           </a:p>
         </p:txBody>
       </p:sp>
@@ -221,10 +220,9 @@
           </a:lstStyle>
           <a:p>
             <a:r>
-              <a:rPr lang="ko-KR" altLang="en-US" smtClean="0"/>
+              <a:rPr lang="ko-KR" altLang="en-US"/>
               <a:t>마스터 부제목 스타일 편집</a:t>
             </a:r>
-            <a:endParaRPr lang="ko-KR" altLang="en-US"/>
           </a:p>
         </p:txBody>
       </p:sp>
@@ -245,7 +243,7 @@
           <a:p>
             <a:fld id="{BA4B8FC4-2B94-4981-BC67-E9D8349045A8}" type="datetimeFigureOut">
               <a:rPr lang="ko-KR" altLang="en-US" smtClean="0"/>
-              <a:t>2021-07-20</a:t>
+              <a:t>2021-07-24</a:t>
             </a:fld>
             <a:endParaRPr lang="ko-KR" altLang="en-US"/>
           </a:p>
@@ -339,10 +337,9 @@
           <a:lstStyle/>
           <a:p>
             <a:r>
-              <a:rPr lang="ko-KR" altLang="en-US" smtClean="0"/>
+              <a:rPr lang="ko-KR" altLang="en-US"/>
               <a:t>마스터 제목 스타일 편집</a:t>
             </a:r>
-            <a:endParaRPr lang="ko-KR" altLang="en-US"/>
           </a:p>
         </p:txBody>
       </p:sp>
@@ -363,38 +360,37 @@
           <a:p>
             <a:pPr lvl="0"/>
             <a:r>
-              <a:rPr lang="ko-KR" altLang="en-US" smtClean="0"/>
+              <a:rPr lang="ko-KR" altLang="en-US"/>
               <a:t>마스터 텍스트 스타일을 편집합니다</a:t>
             </a:r>
           </a:p>
           <a:p>
             <a:pPr lvl="1"/>
             <a:r>
-              <a:rPr lang="ko-KR" altLang="en-US" smtClean="0"/>
+              <a:rPr lang="ko-KR" altLang="en-US"/>
               <a:t>둘째 수준</a:t>
             </a:r>
           </a:p>
           <a:p>
             <a:pPr lvl="2"/>
             <a:r>
-              <a:rPr lang="ko-KR" altLang="en-US" smtClean="0"/>
+              <a:rPr lang="ko-KR" altLang="en-US"/>
               <a:t>셋째 수준</a:t>
             </a:r>
           </a:p>
           <a:p>
             <a:pPr lvl="3"/>
             <a:r>
-              <a:rPr lang="ko-KR" altLang="en-US" smtClean="0"/>
+              <a:rPr lang="ko-KR" altLang="en-US"/>
               <a:t>넷째 수준</a:t>
             </a:r>
           </a:p>
           <a:p>
             <a:pPr lvl="4"/>
             <a:r>
-              <a:rPr lang="ko-KR" altLang="en-US" smtClean="0"/>
+              <a:rPr lang="ko-KR" altLang="en-US"/>
               <a:t>다섯째 수준</a:t>
             </a:r>
-            <a:endParaRPr lang="ko-KR" altLang="en-US"/>
           </a:p>
         </p:txBody>
       </p:sp>
@@ -415,7 +411,7 @@
           <a:p>
             <a:fld id="{BA4B8FC4-2B94-4981-BC67-E9D8349045A8}" type="datetimeFigureOut">
               <a:rPr lang="ko-KR" altLang="en-US" smtClean="0"/>
-              <a:t>2021-07-20</a:t>
+              <a:t>2021-07-24</a:t>
             </a:fld>
             <a:endParaRPr lang="ko-KR" altLang="en-US"/>
           </a:p>
@@ -514,10 +510,9 @@
           <a:lstStyle/>
           <a:p>
             <a:r>
-              <a:rPr lang="ko-KR" altLang="en-US" smtClean="0"/>
+              <a:rPr lang="ko-KR" altLang="en-US"/>
               <a:t>마스터 제목 스타일 편집</a:t>
             </a:r>
-            <a:endParaRPr lang="ko-KR" altLang="en-US"/>
           </a:p>
         </p:txBody>
       </p:sp>
@@ -543,38 +538,37 @@
           <a:p>
             <a:pPr lvl="0"/>
             <a:r>
-              <a:rPr lang="ko-KR" altLang="en-US" smtClean="0"/>
+              <a:rPr lang="ko-KR" altLang="en-US"/>
               <a:t>마스터 텍스트 스타일을 편집합니다</a:t>
             </a:r>
           </a:p>
           <a:p>
             <a:pPr lvl="1"/>
             <a:r>
-              <a:rPr lang="ko-KR" altLang="en-US" smtClean="0"/>
+              <a:rPr lang="ko-KR" altLang="en-US"/>
               <a:t>둘째 수준</a:t>
             </a:r>
           </a:p>
           <a:p>
             <a:pPr lvl="2"/>
             <a:r>
-              <a:rPr lang="ko-KR" altLang="en-US" smtClean="0"/>
+              <a:rPr lang="ko-KR" altLang="en-US"/>
               <a:t>셋째 수준</a:t>
             </a:r>
           </a:p>
           <a:p>
             <a:pPr lvl="3"/>
             <a:r>
-              <a:rPr lang="ko-KR" altLang="en-US" smtClean="0"/>
+              <a:rPr lang="ko-KR" altLang="en-US"/>
               <a:t>넷째 수준</a:t>
             </a:r>
           </a:p>
           <a:p>
             <a:pPr lvl="4"/>
             <a:r>
-              <a:rPr lang="ko-KR" altLang="en-US" smtClean="0"/>
+              <a:rPr lang="ko-KR" altLang="en-US"/>
               <a:t>다섯째 수준</a:t>
             </a:r>
-            <a:endParaRPr lang="ko-KR" altLang="en-US"/>
           </a:p>
         </p:txBody>
       </p:sp>
@@ -595,7 +589,7 @@
           <a:p>
             <a:fld id="{BA4B8FC4-2B94-4981-BC67-E9D8349045A8}" type="datetimeFigureOut">
               <a:rPr lang="ko-KR" altLang="en-US" smtClean="0"/>
-              <a:t>2021-07-20</a:t>
+              <a:t>2021-07-24</a:t>
             </a:fld>
             <a:endParaRPr lang="ko-KR" altLang="en-US"/>
           </a:p>
@@ -689,10 +683,9 @@
           <a:lstStyle/>
           <a:p>
             <a:r>
-              <a:rPr lang="ko-KR" altLang="en-US" smtClean="0"/>
+              <a:rPr lang="ko-KR" altLang="en-US"/>
               <a:t>마스터 제목 스타일 편집</a:t>
             </a:r>
-            <a:endParaRPr lang="ko-KR" altLang="en-US"/>
           </a:p>
         </p:txBody>
       </p:sp>
@@ -713,38 +706,37 @@
           <a:p>
             <a:pPr lvl="0"/>
             <a:r>
-              <a:rPr lang="ko-KR" altLang="en-US" smtClean="0"/>
+              <a:rPr lang="ko-KR" altLang="en-US"/>
               <a:t>마스터 텍스트 스타일을 편집합니다</a:t>
             </a:r>
           </a:p>
           <a:p>
             <a:pPr lvl="1"/>
             <a:r>
-              <a:rPr lang="ko-KR" altLang="en-US" smtClean="0"/>
+              <a:rPr lang="ko-KR" altLang="en-US"/>
               <a:t>둘째 수준</a:t>
             </a:r>
           </a:p>
           <a:p>
             <a:pPr lvl="2"/>
             <a:r>
-              <a:rPr lang="ko-KR" altLang="en-US" smtClean="0"/>
+              <a:rPr lang="ko-KR" altLang="en-US"/>
               <a:t>셋째 수준</a:t>
             </a:r>
           </a:p>
           <a:p>
             <a:pPr lvl="3"/>
             <a:r>
-              <a:rPr lang="ko-KR" altLang="en-US" smtClean="0"/>
+              <a:rPr lang="ko-KR" altLang="en-US"/>
               <a:t>넷째 수준</a:t>
             </a:r>
           </a:p>
           <a:p>
             <a:pPr lvl="4"/>
             <a:r>
-              <a:rPr lang="ko-KR" altLang="en-US" smtClean="0"/>
+              <a:rPr lang="ko-KR" altLang="en-US"/>
               <a:t>다섯째 수준</a:t>
             </a:r>
-            <a:endParaRPr lang="ko-KR" altLang="en-US"/>
           </a:p>
         </p:txBody>
       </p:sp>
@@ -765,7 +757,7 @@
           <a:p>
             <a:fld id="{BA4B8FC4-2B94-4981-BC67-E9D8349045A8}" type="datetimeFigureOut">
               <a:rPr lang="ko-KR" altLang="en-US" smtClean="0"/>
-              <a:t>2021-07-20</a:t>
+              <a:t>2021-07-24</a:t>
             </a:fld>
             <a:endParaRPr lang="ko-KR" altLang="en-US"/>
           </a:p>
@@ -868,10 +860,9 @@
           </a:lstStyle>
           <a:p>
             <a:r>
-              <a:rPr lang="ko-KR" altLang="en-US" smtClean="0"/>
+              <a:rPr lang="ko-KR" altLang="en-US"/>
               <a:t>마스터 제목 스타일 편집</a:t>
             </a:r>
-            <a:endParaRPr lang="ko-KR" altLang="en-US"/>
           </a:p>
         </p:txBody>
       </p:sp>
@@ -988,7 +979,7 @@
           <a:p>
             <a:pPr lvl="0"/>
             <a:r>
-              <a:rPr lang="ko-KR" altLang="en-US" smtClean="0"/>
+              <a:rPr lang="ko-KR" altLang="en-US"/>
               <a:t>마스터 텍스트 스타일을 편집합니다</a:t>
             </a:r>
           </a:p>
@@ -1011,7 +1002,7 @@
           <a:p>
             <a:fld id="{BA4B8FC4-2B94-4981-BC67-E9D8349045A8}" type="datetimeFigureOut">
               <a:rPr lang="ko-KR" altLang="en-US" smtClean="0"/>
-              <a:t>2021-07-20</a:t>
+              <a:t>2021-07-24</a:t>
             </a:fld>
             <a:endParaRPr lang="ko-KR" altLang="en-US"/>
           </a:p>
@@ -1105,10 +1096,9 @@
           <a:lstStyle/>
           <a:p>
             <a:r>
-              <a:rPr lang="ko-KR" altLang="en-US" smtClean="0"/>
+              <a:rPr lang="ko-KR" altLang="en-US"/>
               <a:t>마스터 제목 스타일 편집</a:t>
             </a:r>
-            <a:endParaRPr lang="ko-KR" altLang="en-US"/>
           </a:p>
         </p:txBody>
       </p:sp>
@@ -1134,38 +1124,37 @@
           <a:p>
             <a:pPr lvl="0"/>
             <a:r>
-              <a:rPr lang="ko-KR" altLang="en-US" smtClean="0"/>
+              <a:rPr lang="ko-KR" altLang="en-US"/>
               <a:t>마스터 텍스트 스타일을 편집합니다</a:t>
             </a:r>
           </a:p>
           <a:p>
             <a:pPr lvl="1"/>
             <a:r>
-              <a:rPr lang="ko-KR" altLang="en-US" smtClean="0"/>
+              <a:rPr lang="ko-KR" altLang="en-US"/>
               <a:t>둘째 수준</a:t>
             </a:r>
           </a:p>
           <a:p>
             <a:pPr lvl="2"/>
             <a:r>
-              <a:rPr lang="ko-KR" altLang="en-US" smtClean="0"/>
+              <a:rPr lang="ko-KR" altLang="en-US"/>
               <a:t>셋째 수준</a:t>
             </a:r>
           </a:p>
           <a:p>
             <a:pPr lvl="3"/>
             <a:r>
-              <a:rPr lang="ko-KR" altLang="en-US" smtClean="0"/>
+              <a:rPr lang="ko-KR" altLang="en-US"/>
               <a:t>넷째 수준</a:t>
             </a:r>
           </a:p>
           <a:p>
             <a:pPr lvl="4"/>
             <a:r>
-              <a:rPr lang="ko-KR" altLang="en-US" smtClean="0"/>
+              <a:rPr lang="ko-KR" altLang="en-US"/>
               <a:t>다섯째 수준</a:t>
             </a:r>
-            <a:endParaRPr lang="ko-KR" altLang="en-US"/>
           </a:p>
         </p:txBody>
       </p:sp>
@@ -1191,38 +1180,37 @@
           <a:p>
             <a:pPr lvl="0"/>
             <a:r>
-              <a:rPr lang="ko-KR" altLang="en-US" smtClean="0"/>
+              <a:rPr lang="ko-KR" altLang="en-US"/>
               <a:t>마스터 텍스트 스타일을 편집합니다</a:t>
             </a:r>
           </a:p>
           <a:p>
             <a:pPr lvl="1"/>
             <a:r>
-              <a:rPr lang="ko-KR" altLang="en-US" smtClean="0"/>
+              <a:rPr lang="ko-KR" altLang="en-US"/>
               <a:t>둘째 수준</a:t>
             </a:r>
           </a:p>
           <a:p>
             <a:pPr lvl="2"/>
             <a:r>
-              <a:rPr lang="ko-KR" altLang="en-US" smtClean="0"/>
+              <a:rPr lang="ko-KR" altLang="en-US"/>
               <a:t>셋째 수준</a:t>
             </a:r>
           </a:p>
           <a:p>
             <a:pPr lvl="3"/>
             <a:r>
-              <a:rPr lang="ko-KR" altLang="en-US" smtClean="0"/>
+              <a:rPr lang="ko-KR" altLang="en-US"/>
               <a:t>넷째 수준</a:t>
             </a:r>
           </a:p>
           <a:p>
             <a:pPr lvl="4"/>
             <a:r>
-              <a:rPr lang="ko-KR" altLang="en-US" smtClean="0"/>
+              <a:rPr lang="ko-KR" altLang="en-US"/>
               <a:t>다섯째 수준</a:t>
             </a:r>
-            <a:endParaRPr lang="ko-KR" altLang="en-US"/>
           </a:p>
         </p:txBody>
       </p:sp>
@@ -1243,7 +1231,7 @@
           <a:p>
             <a:fld id="{BA4B8FC4-2B94-4981-BC67-E9D8349045A8}" type="datetimeFigureOut">
               <a:rPr lang="ko-KR" altLang="en-US" smtClean="0"/>
-              <a:t>2021-07-20</a:t>
+              <a:t>2021-07-24</a:t>
             </a:fld>
             <a:endParaRPr lang="ko-KR" altLang="en-US"/>
           </a:p>
@@ -1342,10 +1330,9 @@
           <a:lstStyle/>
           <a:p>
             <a:r>
-              <a:rPr lang="ko-KR" altLang="en-US" smtClean="0"/>
+              <a:rPr lang="ko-KR" altLang="en-US"/>
               <a:t>마스터 제목 스타일 편집</a:t>
             </a:r>
-            <a:endParaRPr lang="ko-KR" altLang="en-US"/>
           </a:p>
         </p:txBody>
       </p:sp>
@@ -1408,7 +1395,7 @@
           <a:p>
             <a:pPr lvl="0"/>
             <a:r>
-              <a:rPr lang="ko-KR" altLang="en-US" smtClean="0"/>
+              <a:rPr lang="ko-KR" altLang="en-US"/>
               <a:t>마스터 텍스트 스타일을 편집합니다</a:t>
             </a:r>
           </a:p>
@@ -1436,38 +1423,37 @@
           <a:p>
             <a:pPr lvl="0"/>
             <a:r>
-              <a:rPr lang="ko-KR" altLang="en-US" smtClean="0"/>
+              <a:rPr lang="ko-KR" altLang="en-US"/>
               <a:t>마스터 텍스트 스타일을 편집합니다</a:t>
             </a:r>
           </a:p>
           <a:p>
             <a:pPr lvl="1"/>
             <a:r>
-              <a:rPr lang="ko-KR" altLang="en-US" smtClean="0"/>
+              <a:rPr lang="ko-KR" altLang="en-US"/>
               <a:t>둘째 수준</a:t>
             </a:r>
           </a:p>
           <a:p>
             <a:pPr lvl="2"/>
             <a:r>
-              <a:rPr lang="ko-KR" altLang="en-US" smtClean="0"/>
+              <a:rPr lang="ko-KR" altLang="en-US"/>
               <a:t>셋째 수준</a:t>
             </a:r>
           </a:p>
           <a:p>
             <a:pPr lvl="3"/>
             <a:r>
-              <a:rPr lang="ko-KR" altLang="en-US" smtClean="0"/>
+              <a:rPr lang="ko-KR" altLang="en-US"/>
               <a:t>넷째 수준</a:t>
             </a:r>
           </a:p>
           <a:p>
             <a:pPr lvl="4"/>
             <a:r>
-              <a:rPr lang="ko-KR" altLang="en-US" smtClean="0"/>
+              <a:rPr lang="ko-KR" altLang="en-US"/>
               <a:t>다섯째 수준</a:t>
             </a:r>
-            <a:endParaRPr lang="ko-KR" altLang="en-US"/>
           </a:p>
         </p:txBody>
       </p:sp>
@@ -1530,7 +1516,7 @@
           <a:p>
             <a:pPr lvl="0"/>
             <a:r>
-              <a:rPr lang="ko-KR" altLang="en-US" smtClean="0"/>
+              <a:rPr lang="ko-KR" altLang="en-US"/>
               <a:t>마스터 텍스트 스타일을 편집합니다</a:t>
             </a:r>
           </a:p>
@@ -1558,38 +1544,37 @@
           <a:p>
             <a:pPr lvl="0"/>
             <a:r>
-              <a:rPr lang="ko-KR" altLang="en-US" smtClean="0"/>
+              <a:rPr lang="ko-KR" altLang="en-US"/>
               <a:t>마스터 텍스트 스타일을 편집합니다</a:t>
             </a:r>
           </a:p>
           <a:p>
             <a:pPr lvl="1"/>
             <a:r>
-              <a:rPr lang="ko-KR" altLang="en-US" smtClean="0"/>
+              <a:rPr lang="ko-KR" altLang="en-US"/>
               <a:t>둘째 수준</a:t>
             </a:r>
           </a:p>
           <a:p>
             <a:pPr lvl="2"/>
             <a:r>
-              <a:rPr lang="ko-KR" altLang="en-US" smtClean="0"/>
+              <a:rPr lang="ko-KR" altLang="en-US"/>
               <a:t>셋째 수준</a:t>
             </a:r>
           </a:p>
           <a:p>
             <a:pPr lvl="3"/>
             <a:r>
-              <a:rPr lang="ko-KR" altLang="en-US" smtClean="0"/>
+              <a:rPr lang="ko-KR" altLang="en-US"/>
               <a:t>넷째 수준</a:t>
             </a:r>
           </a:p>
           <a:p>
             <a:pPr lvl="4"/>
             <a:r>
-              <a:rPr lang="ko-KR" altLang="en-US" smtClean="0"/>
+              <a:rPr lang="ko-KR" altLang="en-US"/>
               <a:t>다섯째 수준</a:t>
             </a:r>
-            <a:endParaRPr lang="ko-KR" altLang="en-US"/>
           </a:p>
         </p:txBody>
       </p:sp>
@@ -1610,7 +1595,7 @@
           <a:p>
             <a:fld id="{BA4B8FC4-2B94-4981-BC67-E9D8349045A8}" type="datetimeFigureOut">
               <a:rPr lang="ko-KR" altLang="en-US" smtClean="0"/>
-              <a:t>2021-07-20</a:t>
+              <a:t>2021-07-24</a:t>
             </a:fld>
             <a:endParaRPr lang="ko-KR" altLang="en-US"/>
           </a:p>
@@ -1704,10 +1689,9 @@
           <a:lstStyle/>
           <a:p>
             <a:r>
-              <a:rPr lang="ko-KR" altLang="en-US" smtClean="0"/>
+              <a:rPr lang="ko-KR" altLang="en-US"/>
               <a:t>마스터 제목 스타일 편집</a:t>
             </a:r>
-            <a:endParaRPr lang="ko-KR" altLang="en-US"/>
           </a:p>
         </p:txBody>
       </p:sp>
@@ -1728,7 +1712,7 @@
           <a:p>
             <a:fld id="{BA4B8FC4-2B94-4981-BC67-E9D8349045A8}" type="datetimeFigureOut">
               <a:rPr lang="ko-KR" altLang="en-US" smtClean="0"/>
-              <a:t>2021-07-20</a:t>
+              <a:t>2021-07-24</a:t>
             </a:fld>
             <a:endParaRPr lang="ko-KR" altLang="en-US"/>
           </a:p>
@@ -1823,7 +1807,7 @@
           <a:p>
             <a:fld id="{BA4B8FC4-2B94-4981-BC67-E9D8349045A8}" type="datetimeFigureOut">
               <a:rPr lang="ko-KR" altLang="en-US" smtClean="0"/>
-              <a:t>2021-07-20</a:t>
+              <a:t>2021-07-24</a:t>
             </a:fld>
             <a:endParaRPr lang="ko-KR" altLang="en-US"/>
           </a:p>
@@ -1926,10 +1910,9 @@
           </a:lstStyle>
           <a:p>
             <a:r>
-              <a:rPr lang="ko-KR" altLang="en-US" smtClean="0"/>
+              <a:rPr lang="ko-KR" altLang="en-US"/>
               <a:t>마스터 제목 스타일 편집</a:t>
             </a:r>
-            <a:endParaRPr lang="ko-KR" altLang="en-US"/>
           </a:p>
         </p:txBody>
       </p:sp>
@@ -1983,38 +1966,37 @@
           <a:p>
             <a:pPr lvl="0"/>
             <a:r>
-              <a:rPr lang="ko-KR" altLang="en-US" smtClean="0"/>
+              <a:rPr lang="ko-KR" altLang="en-US"/>
               <a:t>마스터 텍스트 스타일을 편집합니다</a:t>
             </a:r>
           </a:p>
           <a:p>
             <a:pPr lvl="1"/>
             <a:r>
-              <a:rPr lang="ko-KR" altLang="en-US" smtClean="0"/>
+              <a:rPr lang="ko-KR" altLang="en-US"/>
               <a:t>둘째 수준</a:t>
             </a:r>
           </a:p>
           <a:p>
             <a:pPr lvl="2"/>
             <a:r>
-              <a:rPr lang="ko-KR" altLang="en-US" smtClean="0"/>
+              <a:rPr lang="ko-KR" altLang="en-US"/>
               <a:t>셋째 수준</a:t>
             </a:r>
           </a:p>
           <a:p>
             <a:pPr lvl="3"/>
             <a:r>
-              <a:rPr lang="ko-KR" altLang="en-US" smtClean="0"/>
+              <a:rPr lang="ko-KR" altLang="en-US"/>
               <a:t>넷째 수준</a:t>
             </a:r>
           </a:p>
           <a:p>
             <a:pPr lvl="4"/>
             <a:r>
-              <a:rPr lang="ko-KR" altLang="en-US" smtClean="0"/>
+              <a:rPr lang="ko-KR" altLang="en-US"/>
               <a:t>다섯째 수준</a:t>
             </a:r>
-            <a:endParaRPr lang="ko-KR" altLang="en-US"/>
           </a:p>
         </p:txBody>
       </p:sp>
@@ -2077,7 +2059,7 @@
           <a:p>
             <a:pPr lvl="0"/>
             <a:r>
-              <a:rPr lang="ko-KR" altLang="en-US" smtClean="0"/>
+              <a:rPr lang="ko-KR" altLang="en-US"/>
               <a:t>마스터 텍스트 스타일을 편집합니다</a:t>
             </a:r>
           </a:p>
@@ -2100,7 +2082,7 @@
           <a:p>
             <a:fld id="{BA4B8FC4-2B94-4981-BC67-E9D8349045A8}" type="datetimeFigureOut">
               <a:rPr lang="ko-KR" altLang="en-US" smtClean="0"/>
-              <a:t>2021-07-20</a:t>
+              <a:t>2021-07-24</a:t>
             </a:fld>
             <a:endParaRPr lang="ko-KR" altLang="en-US"/>
           </a:p>
@@ -2203,10 +2185,9 @@
           </a:lstStyle>
           <a:p>
             <a:r>
-              <a:rPr lang="ko-KR" altLang="en-US" smtClean="0"/>
+              <a:rPr lang="ko-KR" altLang="en-US"/>
               <a:t>마스터 제목 스타일 편집</a:t>
             </a:r>
-            <a:endParaRPr lang="ko-KR" altLang="en-US"/>
           </a:p>
         </p:txBody>
       </p:sp>
@@ -2330,7 +2311,7 @@
           <a:p>
             <a:pPr lvl="0"/>
             <a:r>
-              <a:rPr lang="ko-KR" altLang="en-US" smtClean="0"/>
+              <a:rPr lang="ko-KR" altLang="en-US"/>
               <a:t>마스터 텍스트 스타일을 편집합니다</a:t>
             </a:r>
           </a:p>
@@ -2353,7 +2334,7 @@
           <a:p>
             <a:fld id="{BA4B8FC4-2B94-4981-BC67-E9D8349045A8}" type="datetimeFigureOut">
               <a:rPr lang="ko-KR" altLang="en-US" smtClean="0"/>
-              <a:t>2021-07-20</a:t>
+              <a:t>2021-07-24</a:t>
             </a:fld>
             <a:endParaRPr lang="ko-KR" altLang="en-US"/>
           </a:p>
@@ -2462,10 +2443,9 @@
           <a:lstStyle/>
           <a:p>
             <a:r>
-              <a:rPr lang="ko-KR" altLang="en-US" smtClean="0"/>
+              <a:rPr lang="ko-KR" altLang="en-US"/>
               <a:t>마스터 제목 스타일 편집</a:t>
             </a:r>
-            <a:endParaRPr lang="ko-KR" altLang="en-US"/>
           </a:p>
         </p:txBody>
       </p:sp>
@@ -2496,38 +2476,37 @@
           <a:p>
             <a:pPr lvl="0"/>
             <a:r>
-              <a:rPr lang="ko-KR" altLang="en-US" smtClean="0"/>
+              <a:rPr lang="ko-KR" altLang="en-US"/>
               <a:t>마스터 텍스트 스타일을 편집합니다</a:t>
             </a:r>
           </a:p>
           <a:p>
             <a:pPr lvl="1"/>
             <a:r>
-              <a:rPr lang="ko-KR" altLang="en-US" smtClean="0"/>
+              <a:rPr lang="ko-KR" altLang="en-US"/>
               <a:t>둘째 수준</a:t>
             </a:r>
           </a:p>
           <a:p>
             <a:pPr lvl="2"/>
             <a:r>
-              <a:rPr lang="ko-KR" altLang="en-US" smtClean="0"/>
+              <a:rPr lang="ko-KR" altLang="en-US"/>
               <a:t>셋째 수준</a:t>
             </a:r>
           </a:p>
           <a:p>
             <a:pPr lvl="3"/>
             <a:r>
-              <a:rPr lang="ko-KR" altLang="en-US" smtClean="0"/>
+              <a:rPr lang="ko-KR" altLang="en-US"/>
               <a:t>넷째 수준</a:t>
             </a:r>
           </a:p>
           <a:p>
             <a:pPr lvl="4"/>
             <a:r>
-              <a:rPr lang="ko-KR" altLang="en-US" smtClean="0"/>
+              <a:rPr lang="ko-KR" altLang="en-US"/>
               <a:t>다섯째 수준</a:t>
             </a:r>
-            <a:endParaRPr lang="ko-KR" altLang="en-US"/>
           </a:p>
         </p:txBody>
       </p:sp>
@@ -2566,7 +2545,7 @@
           <a:p>
             <a:fld id="{BA4B8FC4-2B94-4981-BC67-E9D8349045A8}" type="datetimeFigureOut">
               <a:rPr lang="ko-KR" altLang="en-US" smtClean="0"/>
-              <a:t>2021-07-20</a:t>
+              <a:t>2021-07-24</a:t>
             </a:fld>
             <a:endParaRPr lang="ko-KR" altLang="en-US"/>
           </a:p>
@@ -2987,14 +2966,13 @@
           <a:lstStyle/>
           <a:p>
             <a:r>
-              <a:rPr lang="en-US" altLang="ko-KR" dirty="0" smtClean="0"/>
+              <a:rPr lang="en-US" altLang="ko-KR" dirty="0"/>
               <a:t>2</a:t>
             </a:r>
             <a:r>
-              <a:rPr lang="ko-KR" altLang="en-US" dirty="0" smtClean="0"/>
+              <a:rPr lang="ko-KR" altLang="en-US" dirty="0"/>
               <a:t>조 구조</a:t>
             </a:r>
-            <a:endParaRPr lang="ko-KR" altLang="en-US" dirty="0"/>
           </a:p>
         </p:txBody>
       </p:sp>
@@ -3027,13 +3005,6 @@
   <p:clrMapOvr>
     <a:masterClrMapping/>
   </p:clrMapOvr>
-  <p:timing>
-    <p:tnLst>
-      <p:par>
-        <p:cTn id="1" dur="indefinite" restart="never" nodeType="tmRoot"/>
-      </p:par>
-    </p:tnLst>
-  </p:timing>
 </p:sld>
 </file>
 
@@ -3117,11 +3088,11 @@
           <a:lstStyle/>
           <a:p>
             <a:r>
-              <a:rPr lang="ko-KR" altLang="en-US" sz="2800" dirty="0" smtClean="0"/>
+              <a:rPr lang="ko-KR" altLang="en-US" sz="2800" dirty="0"/>
               <a:t>음료 </a:t>
             </a:r>
             <a:r>
-              <a:rPr lang="ko-KR" altLang="en-US" sz="2800" smtClean="0"/>
+              <a:rPr lang="ko-KR" altLang="en-US" sz="2800"/>
               <a:t>생산 분류 공정</a:t>
             </a:r>
             <a:endParaRPr lang="ko-KR" altLang="en-US" sz="2800" dirty="0"/>
@@ -3232,47 +3203,43 @@
           <a:lstStyle/>
           <a:p>
             <a:r>
-              <a:rPr lang="en-US" altLang="ko-KR" dirty="0" err="1" smtClean="0"/>
+              <a:rPr lang="en-US" altLang="ko-KR" dirty="0" err="1"/>
               <a:t>Winform</a:t>
             </a:r>
             <a:r>
               <a:rPr lang="en-US" altLang="ko-KR" dirty="0"/>
+              <a:t> - </a:t>
+            </a:r>
+            <a:r>
+              <a:rPr lang="en-US" altLang="ko-KR" dirty="0" err="1"/>
+              <a:t>c#</a:t>
+            </a:r>
+            <a:endParaRPr lang="en-US" altLang="ko-KR" dirty="0"/>
+          </a:p>
+          <a:p>
+            <a:r>
+              <a:rPr lang="en-US" altLang="ko-KR" dirty="0"/>
+              <a:t>DB – Oracle</a:t>
+            </a:r>
+          </a:p>
+          <a:p>
+            <a:r>
+              <a:rPr lang="en-US" altLang="ko-KR" dirty="0"/>
+              <a:t>TCP/IP </a:t>
+            </a:r>
+            <a:r>
+              <a:rPr lang="ko-KR" altLang="en-US" dirty="0"/>
+              <a:t>통신 </a:t>
+            </a:r>
+            <a:r>
+              <a:rPr lang="en-US" altLang="ko-KR" dirty="0"/>
+              <a:t>– Client</a:t>
+            </a:r>
+            <a:r>
+              <a:rPr lang="ko-KR" altLang="en-US" dirty="0"/>
               <a:t> </a:t>
             </a:r>
-            <a:r>
-              <a:rPr lang="en-US" altLang="ko-KR" dirty="0" smtClean="0"/>
-              <a:t>- </a:t>
-            </a:r>
-            <a:r>
-              <a:rPr lang="en-US" altLang="ko-KR" dirty="0" err="1" smtClean="0"/>
-              <a:t>c#</a:t>
-            </a:r>
-            <a:endParaRPr lang="en-US" altLang="ko-KR" dirty="0" smtClean="0"/>
-          </a:p>
-          <a:p>
-            <a:r>
-              <a:rPr lang="en-US" altLang="ko-KR" dirty="0" smtClean="0"/>
-              <a:t>DB – Oracle</a:t>
-            </a:r>
-          </a:p>
-          <a:p>
-            <a:r>
-              <a:rPr lang="en-US" altLang="ko-KR" dirty="0" smtClean="0"/>
-              <a:t>TCP/IP </a:t>
-            </a:r>
-            <a:r>
-              <a:rPr lang="ko-KR" altLang="en-US" dirty="0" smtClean="0"/>
-              <a:t>통신 </a:t>
-            </a:r>
-            <a:r>
-              <a:rPr lang="en-US" altLang="ko-KR" dirty="0" smtClean="0"/>
-              <a:t>– Client</a:t>
-            </a:r>
-            <a:r>
-              <a:rPr lang="ko-KR" altLang="en-US" dirty="0" smtClean="0"/>
-              <a:t> </a:t>
-            </a:r>
-            <a:endParaRPr lang="en-US" altLang="ko-KR" dirty="0" smtClean="0"/>
+            <a:endParaRPr lang="en-US" altLang="ko-KR" dirty="0"/>
           </a:p>
           <a:p>
             <a:endParaRPr lang="ko-KR" altLang="en-US" dirty="0"/>
@@ -3303,15 +3270,15 @@
           <a:p>
             <a:pPr algn="ctr"/>
             <a:r>
-              <a:rPr lang="en-US" altLang="ko-KR" dirty="0" smtClean="0"/>
+              <a:rPr lang="en-US" altLang="ko-KR" dirty="0"/>
               <a:t>&lt;</a:t>
             </a:r>
             <a:r>
-              <a:rPr lang="ko-KR" altLang="en-US" dirty="0" smtClean="0"/>
+              <a:rPr lang="ko-KR" altLang="en-US" dirty="0"/>
               <a:t>디스플레이</a:t>
             </a:r>
             <a:r>
-              <a:rPr lang="en-US" altLang="ko-KR" dirty="0" smtClean="0"/>
+              <a:rPr lang="en-US" altLang="ko-KR" dirty="0"/>
               <a:t>&gt;</a:t>
             </a:r>
             <a:endParaRPr lang="ko-KR" altLang="en-US" dirty="0"/>
@@ -3342,30 +3309,30 @@
           <a:p>
             <a:pPr algn="ctr"/>
             <a:r>
-              <a:rPr lang="en-US" altLang="ko-KR" dirty="0" smtClean="0"/>
+              <a:rPr lang="en-US" altLang="ko-KR" dirty="0"/>
               <a:t>&lt;</a:t>
             </a:r>
             <a:r>
-              <a:rPr lang="ko-KR" altLang="en-US" dirty="0" smtClean="0"/>
+              <a:rPr lang="ko-KR" altLang="en-US" dirty="0"/>
               <a:t>노트북</a:t>
             </a:r>
             <a:r>
-              <a:rPr lang="en-US" altLang="ko-KR" dirty="0" smtClean="0"/>
+              <a:rPr lang="en-US" altLang="ko-KR" dirty="0"/>
               <a:t>&gt;</a:t>
             </a:r>
           </a:p>
           <a:p>
             <a:pPr algn="ctr"/>
             <a:r>
-              <a:rPr lang="en-US" altLang="ko-KR" dirty="0" smtClean="0"/>
+              <a:rPr lang="en-US" altLang="ko-KR" dirty="0"/>
               <a:t>TCP/IP </a:t>
             </a:r>
             <a:r>
-              <a:rPr lang="ko-KR" altLang="en-US" dirty="0" smtClean="0"/>
+              <a:rPr lang="ko-KR" altLang="en-US" dirty="0"/>
               <a:t>통신 </a:t>
             </a:r>
             <a:r>
-              <a:rPr lang="en-US" altLang="ko-KR" dirty="0" smtClean="0"/>
+              <a:rPr lang="en-US" altLang="ko-KR" dirty="0"/>
               <a:t>- Server</a:t>
             </a:r>
             <a:endParaRPr lang="ko-KR" altLang="en-US" dirty="0"/>
@@ -3509,10 +3476,9 @@
           <a:p>
             <a:pPr algn="ctr"/>
             <a:r>
-              <a:rPr lang="ko-KR" altLang="en-US" dirty="0" smtClean="0"/>
+              <a:rPr lang="ko-KR" altLang="en-US" dirty="0"/>
               <a:t>컨베이어벨트</a:t>
             </a:r>
-            <a:endParaRPr lang="ko-KR" altLang="en-US" dirty="0"/>
           </a:p>
         </p:txBody>
       </p:sp>
@@ -3586,15 +3552,15 @@
           <a:p>
             <a:pPr algn="ctr"/>
             <a:r>
-              <a:rPr lang="en-US" altLang="ko-KR" dirty="0" smtClean="0"/>
+              <a:rPr lang="en-US" altLang="ko-KR" dirty="0"/>
               <a:t>Raspberry Pi.1 - </a:t>
             </a:r>
             <a:r>
-              <a:rPr lang="en-US" altLang="ko-KR" dirty="0" err="1" smtClean="0"/>
+              <a:rPr lang="en-US" altLang="ko-KR" dirty="0" err="1"/>
               <a:t>Clinet</a:t>
             </a:r>
             <a:r>
-              <a:rPr lang="en-US" altLang="ko-KR" dirty="0" smtClean="0"/>
+              <a:rPr lang="en-US" altLang="ko-KR" dirty="0"/>
               <a:t> </a:t>
             </a:r>
             <a:endParaRPr lang="ko-KR" altLang="en-US" dirty="0"/>
@@ -3671,7 +3637,7 @@
           <a:p>
             <a:pPr algn="ctr"/>
             <a:r>
-              <a:rPr lang="en-US" altLang="ko-KR" dirty="0" smtClean="0"/>
+              <a:rPr lang="en-US" altLang="ko-KR" dirty="0"/>
               <a:t>Raspberry Pi.2 - Client</a:t>
             </a:r>
             <a:endParaRPr lang="ko-KR" altLang="en-US" dirty="0"/>
@@ -3687,7 +3653,7 @@
         <p:spPr>
           <a:xfrm>
             <a:off x="2359324" y="3556035"/>
-            <a:ext cx="3010620" cy="830997"/>
+            <a:ext cx="3010620" cy="584775"/>
           </a:xfrm>
           <a:prstGeom prst="rect">
             <a:avLst/>
@@ -3701,29 +3667,14 @@
           <a:lstStyle/>
           <a:p>
             <a:r>
-              <a:rPr lang="en-US" altLang="ko-KR" sz="1600" dirty="0" smtClean="0"/>
+              <a:rPr lang="en-US" altLang="ko-KR" sz="1600" dirty="0"/>
               <a:t>Pi cam – </a:t>
             </a:r>
             <a:r>
-              <a:rPr lang="ko-KR" altLang="en-US" sz="1600" dirty="0" smtClean="0"/>
+              <a:rPr lang="ko-KR" altLang="en-US" sz="1600" dirty="0"/>
               <a:t>불량 및 제품 확인</a:t>
             </a:r>
-            <a:endParaRPr lang="en-US" altLang="ko-KR" sz="1600" dirty="0" smtClean="0"/>
-          </a:p>
-          <a:p>
-            <a:r>
-              <a:rPr lang="ko-KR" altLang="en-US" sz="1400" dirty="0" smtClean="0"/>
-              <a:t>적외선 센서 </a:t>
-            </a:r>
-            <a:r>
-              <a:rPr lang="en-US" altLang="ko-KR" sz="1400" dirty="0" smtClean="0"/>
-              <a:t>– </a:t>
-            </a:r>
-            <a:r>
-              <a:rPr lang="ko-KR" altLang="en-US" sz="1400" dirty="0" smtClean="0"/>
-              <a:t>물건 위치 확인</a:t>
-            </a:r>
-            <a:endParaRPr lang="en-US" altLang="ko-KR" sz="1400" dirty="0" smtClean="0"/>
+            <a:endParaRPr lang="en-US" altLang="ko-KR" sz="1600" dirty="0"/>
           </a:p>
           <a:p>
             <a:endParaRPr lang="ko-KR" altLang="en-US" sz="1600" dirty="0"/>
@@ -3738,8 +3689,8 @@
         </p:nvSpPr>
         <p:spPr>
           <a:xfrm>
-            <a:off x="6695535" y="3727199"/>
-            <a:ext cx="3010620" cy="1077218"/>
+            <a:off x="6695013" y="3604818"/>
+            <a:ext cx="3010620" cy="1323439"/>
           </a:xfrm>
           <a:prstGeom prst="rect">
             <a:avLst/>
@@ -3753,30 +3704,45 @@
           <a:lstStyle/>
           <a:p>
             <a:r>
-              <a:rPr lang="en-US" altLang="ko-KR" sz="1600" dirty="0" smtClean="0"/>
+              <a:rPr lang="en-US" altLang="ko-KR" sz="1600" dirty="0"/>
               <a:t>Pi cam – </a:t>
             </a:r>
             <a:r>
-              <a:rPr lang="ko-KR" altLang="en-US" sz="1600" dirty="0" smtClean="0"/>
+              <a:rPr lang="ko-KR" altLang="en-US" sz="1600" dirty="0"/>
               <a:t>제품 확인</a:t>
             </a:r>
-            <a:endParaRPr lang="en-US" altLang="ko-KR" sz="1600" dirty="0" smtClean="0"/>
-          </a:p>
-          <a:p>
-            <a:r>
-              <a:rPr lang="en-US" altLang="ko-KR" sz="1600" dirty="0" smtClean="0"/>
+            <a:endParaRPr lang="en-US" altLang="ko-KR" sz="1600" dirty="0"/>
+          </a:p>
+          <a:p>
+            <a:r>
+              <a:rPr lang="en-US" altLang="ko-KR" sz="1600" dirty="0"/>
               <a:t>Robot Arm – </a:t>
             </a:r>
             <a:r>
-              <a:rPr lang="ko-KR" altLang="en-US" sz="1600" dirty="0" smtClean="0"/>
+              <a:rPr lang="ko-KR" altLang="en-US" sz="1600" dirty="0"/>
               <a:t>제품 이동</a:t>
             </a:r>
-            <a:endParaRPr lang="en-US" altLang="ko-KR" sz="1600" dirty="0" smtClean="0"/>
-          </a:p>
-          <a:p>
-            <a:r>
-              <a:rPr lang="ko-KR" altLang="en-US" sz="1600" dirty="0" smtClean="0"/>
+            <a:endParaRPr lang="en-US" altLang="ko-KR" sz="1600" dirty="0"/>
+          </a:p>
+          <a:p>
+            <a:r>
+              <a:rPr lang="ko-KR" altLang="en-US" sz="1600" dirty="0"/>
               <a:t>컨베이어 벨트 제어</a:t>
+            </a:r>
+            <a:endParaRPr lang="en-US" altLang="ko-KR" sz="1600" dirty="0"/>
+          </a:p>
+          <a:p>
+            <a:r>
+              <a:rPr lang="ko-KR" altLang="en-US" sz="1600" dirty="0"/>
+              <a:t>적외선 센서 </a:t>
+            </a:r>
+            <a:r>
+              <a:rPr lang="en-US" altLang="ko-KR" sz="1600" dirty="0"/>
+              <a:t>– </a:t>
+            </a:r>
+            <a:r>
+              <a:rPr lang="ko-KR" altLang="en-US" sz="1600" dirty="0"/>
+              <a:t>물건 위치 확인</a:t>
             </a:r>
             <a:endParaRPr lang="en-US" altLang="ko-KR" sz="1600" dirty="0"/>
           </a:p>
@@ -3888,10 +3854,9 @@
           <a:lstStyle/>
           <a:p>
             <a:r>
-              <a:rPr lang="ko-KR" altLang="en-US" sz="1400" dirty="0" smtClean="0"/>
+              <a:rPr lang="ko-KR" altLang="en-US" sz="1400" dirty="0"/>
               <a:t>적외선 센서</a:t>
             </a:r>
-            <a:endParaRPr lang="ko-KR" altLang="en-US" sz="1400" dirty="0"/>
           </a:p>
         </p:txBody>
       </p:sp>
@@ -3918,10 +3883,9 @@
           <a:lstStyle/>
           <a:p>
             <a:r>
-              <a:rPr lang="ko-KR" altLang="en-US" sz="1400" dirty="0" smtClean="0"/>
+              <a:rPr lang="ko-KR" altLang="en-US" sz="1400" dirty="0"/>
               <a:t>적외선 센서</a:t>
             </a:r>
-            <a:endParaRPr lang="ko-KR" altLang="en-US" sz="1400" dirty="0"/>
           </a:p>
         </p:txBody>
       </p:sp>
@@ -3950,10 +3914,9 @@
           <a:lstStyle/>
           <a:p>
             <a:r>
-              <a:rPr lang="ko-KR" altLang="en-US" dirty="0" smtClean="0"/>
+              <a:rPr lang="ko-KR" altLang="en-US" dirty="0"/>
               <a:t>제품 출하</a:t>
             </a:r>
-            <a:endParaRPr lang="ko-KR" altLang="en-US" dirty="0"/>
           </a:p>
         </p:txBody>
       </p:sp>
@@ -3982,10 +3945,9 @@
           <a:lstStyle/>
           <a:p>
             <a:r>
-              <a:rPr lang="ko-KR" altLang="en-US" dirty="0" smtClean="0"/>
+              <a:rPr lang="ko-KR" altLang="en-US" dirty="0"/>
               <a:t>제품 검사</a:t>
             </a:r>
-            <a:endParaRPr lang="ko-KR" altLang="en-US" dirty="0"/>
           </a:p>
         </p:txBody>
       </p:sp>
@@ -4014,10 +3976,9 @@
           <a:lstStyle/>
           <a:p>
             <a:r>
-              <a:rPr lang="ko-KR" altLang="en-US" dirty="0" smtClean="0"/>
+              <a:rPr lang="ko-KR" altLang="en-US" dirty="0"/>
               <a:t>제품 분류</a:t>
             </a:r>
-            <a:endParaRPr lang="ko-KR" altLang="en-US" dirty="0"/>
           </a:p>
         </p:txBody>
       </p:sp>
@@ -4102,13 +4063,6 @@
   <p:clrMapOvr>
     <a:masterClrMapping/>
   </p:clrMapOvr>
-  <p:timing>
-    <p:tnLst>
-      <p:par>
-        <p:cTn id="1" dur="indefinite" restart="never" nodeType="tmRoot"/>
-      </p:par>
-    </p:tnLst>
-  </p:timing>
 </p:sld>
 </file>
 
@@ -4152,68 +4106,68 @@
           <a:lstStyle/>
           <a:p>
             <a:r>
-              <a:rPr lang="ko-KR" altLang="en-US" dirty="0" smtClean="0"/>
+              <a:rPr lang="ko-KR" altLang="en-US" dirty="0"/>
               <a:t>준비물 </a:t>
             </a:r>
-            <a:endParaRPr lang="en-US" altLang="ko-KR" dirty="0" smtClean="0"/>
-          </a:p>
-          <a:p>
-            <a:r>
-              <a:rPr lang="en-US" altLang="ko-KR" dirty="0" smtClean="0"/>
+            <a:endParaRPr lang="en-US" altLang="ko-KR" dirty="0"/>
+          </a:p>
+          <a:p>
+            <a:r>
+              <a:rPr lang="en-US" altLang="ko-KR" dirty="0"/>
               <a:t>Raspberry pi 4 2</a:t>
             </a:r>
             <a:r>
-              <a:rPr lang="ko-KR" altLang="en-US" dirty="0" smtClean="0"/>
+              <a:rPr lang="ko-KR" altLang="en-US" dirty="0"/>
               <a:t>개</a:t>
             </a:r>
             <a:r>
-              <a:rPr lang="en-US" altLang="ko-KR" dirty="0" smtClean="0"/>
+              <a:rPr lang="en-US" altLang="ko-KR" dirty="0"/>
               <a:t>, Pi cam – 2</a:t>
             </a:r>
             <a:r>
-              <a:rPr lang="ko-KR" altLang="en-US" dirty="0" smtClean="0"/>
+              <a:rPr lang="ko-KR" altLang="en-US" dirty="0"/>
               <a:t>개</a:t>
             </a:r>
             <a:r>
-              <a:rPr lang="en-US" altLang="ko-KR" dirty="0" smtClean="0"/>
+              <a:rPr lang="en-US" altLang="ko-KR" dirty="0"/>
               <a:t>, </a:t>
             </a:r>
             <a:r>
-              <a:rPr lang="ko-KR" altLang="en-US" dirty="0" smtClean="0"/>
+              <a:rPr lang="ko-KR" altLang="en-US" dirty="0"/>
               <a:t>적외선 센서 </a:t>
             </a:r>
             <a:r>
-              <a:rPr lang="en-US" altLang="ko-KR" dirty="0" smtClean="0"/>
+              <a:rPr lang="en-US" altLang="ko-KR" dirty="0"/>
               <a:t>2</a:t>
             </a:r>
             <a:r>
-              <a:rPr lang="ko-KR" altLang="en-US" dirty="0" smtClean="0"/>
+              <a:rPr lang="ko-KR" altLang="en-US" dirty="0"/>
               <a:t>개</a:t>
             </a:r>
             <a:r>
-              <a:rPr lang="en-US" altLang="ko-KR" dirty="0" smtClean="0"/>
+              <a:rPr lang="en-US" altLang="ko-KR" dirty="0"/>
               <a:t>, </a:t>
             </a:r>
             <a:r>
-              <a:rPr lang="ko-KR" altLang="en-US" dirty="0" smtClean="0"/>
+              <a:rPr lang="ko-KR" altLang="en-US" dirty="0"/>
               <a:t>컨베이어벨트 키트</a:t>
             </a:r>
             <a:r>
-              <a:rPr lang="en-US" altLang="ko-KR" dirty="0" smtClean="0"/>
+              <a:rPr lang="en-US" altLang="ko-KR" dirty="0"/>
               <a:t>, </a:t>
             </a:r>
             <a:r>
-              <a:rPr lang="ko-KR" altLang="en-US" dirty="0" smtClean="0"/>
+              <a:rPr lang="ko-KR" altLang="en-US" dirty="0"/>
               <a:t>로봇 팔 키트</a:t>
             </a:r>
             <a:endParaRPr lang="en-US" altLang="ko-KR" dirty="0"/>
           </a:p>
           <a:p>
-            <a:endParaRPr lang="en-US" altLang="ko-KR" dirty="0" smtClean="0"/>
-          </a:p>
-          <a:p>
-            <a:r>
-              <a:rPr lang="ko-KR" altLang="en-US" dirty="0" smtClean="0"/>
+            <a:endParaRPr lang="en-US" altLang="ko-KR" dirty="0"/>
+          </a:p>
+          <a:p>
+            <a:r>
+              <a:rPr lang="ko-KR" altLang="en-US" dirty="0"/>
               <a:t>공통</a:t>
             </a:r>
             <a:r>
@@ -4221,38 +4175,30 @@
               <a:t> </a:t>
             </a:r>
             <a:r>
-              <a:rPr lang="ko-KR" altLang="en-US" dirty="0" smtClean="0"/>
+              <a:rPr lang="ko-KR" altLang="en-US" dirty="0"/>
               <a:t>업무</a:t>
             </a:r>
-            <a:endParaRPr lang="en-US" altLang="ko-KR" dirty="0" smtClean="0"/>
-          </a:p>
-          <a:p>
-            <a:r>
-              <a:rPr lang="ko-KR" altLang="en-US" dirty="0" smtClean="0"/>
+            <a:endParaRPr lang="en-US" altLang="ko-KR" dirty="0"/>
+          </a:p>
+          <a:p>
+            <a:r>
+              <a:rPr lang="ko-KR" altLang="en-US" dirty="0"/>
               <a:t> </a:t>
             </a:r>
             <a:r>
-              <a:rPr lang="en-US" altLang="ko-KR" dirty="0" smtClean="0"/>
+              <a:rPr lang="en-US" altLang="ko-KR" dirty="0"/>
               <a:t>- </a:t>
             </a:r>
             <a:r>
-              <a:rPr lang="ko-KR" altLang="en-US" dirty="0" smtClean="0"/>
-              <a:t>전체적인 </a:t>
-            </a:r>
-            <a:r>
-              <a:rPr lang="ko-KR" altLang="en-US" dirty="0" smtClean="0"/>
-              <a:t>시나리오</a:t>
-            </a:r>
-            <a:endParaRPr lang="en-US" altLang="ko-KR" dirty="0" smtClean="0"/>
+              <a:rPr lang="ko-KR" altLang="en-US" dirty="0"/>
+              <a:t>전체적인 시나리오</a:t>
+            </a:r>
+            <a:endParaRPr lang="en-US" altLang="ko-KR" dirty="0"/>
           </a:p>
           <a:p>
             <a:r>
               <a:rPr lang="en-US" altLang="ko-KR" dirty="0"/>
-              <a:t> </a:t>
-            </a:r>
-            <a:r>
-              <a:rPr lang="en-US" altLang="ko-KR" dirty="0" smtClean="0"/>
-              <a:t>- </a:t>
+              <a:t> - </a:t>
             </a:r>
             <a:r>
               <a:rPr lang="ko-KR" altLang="en-US" dirty="0"/>
@@ -4266,14 +4212,10 @@
           <a:p>
             <a:r>
               <a:rPr lang="en-US" altLang="ko-KR" dirty="0"/>
-              <a:t>  </a:t>
-            </a:r>
-            <a:r>
-              <a:rPr lang="en-US" altLang="ko-KR" dirty="0" smtClean="0"/>
-              <a:t>  -</a:t>
-            </a:r>
-            <a:r>
-              <a:rPr lang="en-US" altLang="ko-KR" dirty="0" err="1" smtClean="0"/>
+              <a:t>    -</a:t>
+            </a:r>
+            <a:r>
+              <a:rPr lang="en-US" altLang="ko-KR" dirty="0" err="1"/>
               <a:t>Winform</a:t>
             </a:r>
             <a:r>
@@ -4291,11 +4233,11 @@
             <a:endParaRPr lang="en-US" altLang="ko-KR" dirty="0"/>
           </a:p>
           <a:p>
-            <a:endParaRPr lang="en-US" altLang="ko-KR" dirty="0" smtClean="0"/>
-          </a:p>
-          <a:p>
-            <a:r>
-              <a:rPr lang="ko-KR" altLang="en-US" dirty="0" smtClean="0"/>
+            <a:endParaRPr lang="en-US" altLang="ko-KR" dirty="0"/>
+          </a:p>
+          <a:p>
+            <a:r>
+              <a:rPr lang="ko-KR" altLang="en-US" dirty="0"/>
               <a:t>류정석</a:t>
             </a:r>
             <a:endParaRPr lang="en-US" altLang="ko-KR" dirty="0"/>
@@ -4306,35 +4248,35 @@
               <a:buChar char="•"/>
             </a:pPr>
             <a:r>
-              <a:rPr lang="en-US" altLang="ko-KR" dirty="0" smtClean="0"/>
+              <a:rPr lang="en-US" altLang="ko-KR" dirty="0"/>
               <a:t>Raspberry pi</a:t>
             </a:r>
           </a:p>
           <a:p>
             <a:r>
-              <a:rPr lang="ko-KR" altLang="en-US" dirty="0" smtClean="0"/>
+              <a:rPr lang="ko-KR" altLang="en-US" dirty="0"/>
               <a:t> </a:t>
             </a:r>
             <a:r>
-              <a:rPr lang="en-US" altLang="ko-KR" dirty="0" smtClean="0"/>
+              <a:rPr lang="en-US" altLang="ko-KR" dirty="0"/>
               <a:t>- </a:t>
             </a:r>
             <a:r>
-              <a:rPr lang="ko-KR" altLang="en-US" dirty="0" smtClean="0"/>
+              <a:rPr lang="ko-KR" altLang="en-US" dirty="0"/>
               <a:t>모터 및 센서 제어</a:t>
             </a:r>
-            <a:endParaRPr lang="en-US" altLang="ko-KR" dirty="0" smtClean="0"/>
-          </a:p>
-          <a:p>
-            <a:r>
-              <a:rPr lang="en-US" altLang="ko-KR" dirty="0" smtClean="0"/>
+            <a:endParaRPr lang="en-US" altLang="ko-KR" dirty="0"/>
+          </a:p>
+          <a:p>
+            <a:r>
+              <a:rPr lang="en-US" altLang="ko-KR" dirty="0"/>
               <a:t> - 3D </a:t>
             </a:r>
             <a:r>
-              <a:rPr lang="ko-KR" altLang="en-US" dirty="0" smtClean="0"/>
+              <a:rPr lang="ko-KR" altLang="en-US" dirty="0"/>
               <a:t>모델링</a:t>
             </a:r>
-            <a:endParaRPr lang="en-US" altLang="ko-KR" dirty="0" smtClean="0"/>
+            <a:endParaRPr lang="en-US" altLang="ko-KR" dirty="0"/>
           </a:p>
           <a:p>
             <a:pPr marL="342900" indent="-342900">
@@ -4344,10 +4286,10 @@
           </a:p>
           <a:p>
             <a:r>
-              <a:rPr lang="ko-KR" altLang="en-US" dirty="0" smtClean="0"/>
+              <a:rPr lang="ko-KR" altLang="en-US" dirty="0"/>
               <a:t>민준규</a:t>
             </a:r>
-            <a:endParaRPr lang="en-US" altLang="ko-KR" dirty="0" smtClean="0"/>
+            <a:endParaRPr lang="en-US" altLang="ko-KR" dirty="0"/>
           </a:p>
           <a:p>
             <a:pPr marL="285750" indent="-285750">
@@ -4355,34 +4297,34 @@
               <a:buChar char="•"/>
             </a:pPr>
             <a:r>
-              <a:rPr lang="en-US" altLang="ko-KR" dirty="0" smtClean="0"/>
+              <a:rPr lang="en-US" altLang="ko-KR" dirty="0"/>
               <a:t>Raspberry pi</a:t>
             </a:r>
           </a:p>
           <a:p>
             <a:r>
-              <a:rPr lang="en-US" altLang="ko-KR" dirty="0" smtClean="0"/>
+              <a:rPr lang="en-US" altLang="ko-KR" dirty="0"/>
               <a:t> - </a:t>
             </a:r>
             <a:r>
-              <a:rPr lang="en-US" altLang="ko-KR" dirty="0" err="1" smtClean="0"/>
+              <a:rPr lang="en-US" altLang="ko-KR" dirty="0" err="1"/>
               <a:t>OpenCV</a:t>
             </a:r>
             <a:r>
-              <a:rPr lang="ko-KR" altLang="en-US" dirty="0" smtClean="0"/>
+              <a:rPr lang="ko-KR" altLang="en-US" dirty="0"/>
               <a:t>를 활용한 영상처리</a:t>
             </a:r>
-            <a:endParaRPr lang="en-US" altLang="ko-KR" dirty="0" smtClean="0"/>
-          </a:p>
-          <a:p>
             <a:endParaRPr lang="en-US" altLang="ko-KR" dirty="0"/>
           </a:p>
           <a:p>
-            <a:r>
-              <a:rPr lang="ko-KR" altLang="en-US" dirty="0" smtClean="0"/>
+            <a:endParaRPr lang="en-US" altLang="ko-KR" dirty="0"/>
+          </a:p>
+          <a:p>
+            <a:r>
+              <a:rPr lang="ko-KR" altLang="en-US" dirty="0"/>
               <a:t>김준우</a:t>
             </a:r>
-            <a:endParaRPr lang="en-US" altLang="ko-KR" dirty="0" smtClean="0"/>
+            <a:endParaRPr lang="en-US" altLang="ko-KR" dirty="0"/>
           </a:p>
           <a:p>
             <a:pPr marL="285750" indent="-285750">
@@ -4390,17 +4332,17 @@
               <a:buChar char="•"/>
             </a:pPr>
             <a:r>
-              <a:rPr lang="en-US" altLang="ko-KR" dirty="0" smtClean="0"/>
+              <a:rPr lang="en-US" altLang="ko-KR" dirty="0"/>
               <a:t>TCP/IP Server </a:t>
             </a:r>
             <a:r>
-              <a:rPr lang="ko-KR" altLang="en-US" dirty="0" smtClean="0"/>
+              <a:rPr lang="ko-KR" altLang="en-US" dirty="0"/>
               <a:t>설계</a:t>
             </a:r>
-            <a:endParaRPr lang="en-US" altLang="ko-KR" dirty="0" smtClean="0"/>
-          </a:p>
-          <a:p>
-            <a:endParaRPr lang="en-US" altLang="ko-KR" dirty="0" smtClean="0"/>
+            <a:endParaRPr lang="en-US" altLang="ko-KR" dirty="0"/>
+          </a:p>
+          <a:p>
+            <a:endParaRPr lang="en-US" altLang="ko-KR" dirty="0"/>
           </a:p>
         </p:txBody>
       </p:sp>

--- a/doc/01. 프로젝트 설계/01. 소프트웨어 요구사항 명세서/2조 구조.pptx
+++ b/doc/01. 프로젝트 설계/01. 소프트웨어 요구사항 명세서/2조 구조.pptx
@@ -243,7 +243,7 @@
           <a:p>
             <a:fld id="{BA4B8FC4-2B94-4981-BC67-E9D8349045A8}" type="datetimeFigureOut">
               <a:rPr lang="ko-KR" altLang="en-US" smtClean="0"/>
-              <a:t>2021-07-24</a:t>
+              <a:t>2021-08-14</a:t>
             </a:fld>
             <a:endParaRPr lang="ko-KR" altLang="en-US"/>
           </a:p>
@@ -411,7 +411,7 @@
           <a:p>
             <a:fld id="{BA4B8FC4-2B94-4981-BC67-E9D8349045A8}" type="datetimeFigureOut">
               <a:rPr lang="ko-KR" altLang="en-US" smtClean="0"/>
-              <a:t>2021-07-24</a:t>
+              <a:t>2021-08-14</a:t>
             </a:fld>
             <a:endParaRPr lang="ko-KR" altLang="en-US"/>
           </a:p>
@@ -589,7 +589,7 @@
           <a:p>
             <a:fld id="{BA4B8FC4-2B94-4981-BC67-E9D8349045A8}" type="datetimeFigureOut">
               <a:rPr lang="ko-KR" altLang="en-US" smtClean="0"/>
-              <a:t>2021-07-24</a:t>
+              <a:t>2021-08-14</a:t>
             </a:fld>
             <a:endParaRPr lang="ko-KR" altLang="en-US"/>
           </a:p>
@@ -757,7 +757,7 @@
           <a:p>
             <a:fld id="{BA4B8FC4-2B94-4981-BC67-E9D8349045A8}" type="datetimeFigureOut">
               <a:rPr lang="ko-KR" altLang="en-US" smtClean="0"/>
-              <a:t>2021-07-24</a:t>
+              <a:t>2021-08-14</a:t>
             </a:fld>
             <a:endParaRPr lang="ko-KR" altLang="en-US"/>
           </a:p>
@@ -1002,7 +1002,7 @@
           <a:p>
             <a:fld id="{BA4B8FC4-2B94-4981-BC67-E9D8349045A8}" type="datetimeFigureOut">
               <a:rPr lang="ko-KR" altLang="en-US" smtClean="0"/>
-              <a:t>2021-07-24</a:t>
+              <a:t>2021-08-14</a:t>
             </a:fld>
             <a:endParaRPr lang="ko-KR" altLang="en-US"/>
           </a:p>
@@ -1231,7 +1231,7 @@
           <a:p>
             <a:fld id="{BA4B8FC4-2B94-4981-BC67-E9D8349045A8}" type="datetimeFigureOut">
               <a:rPr lang="ko-KR" altLang="en-US" smtClean="0"/>
-              <a:t>2021-07-24</a:t>
+              <a:t>2021-08-14</a:t>
             </a:fld>
             <a:endParaRPr lang="ko-KR" altLang="en-US"/>
           </a:p>
@@ -1595,7 +1595,7 @@
           <a:p>
             <a:fld id="{BA4B8FC4-2B94-4981-BC67-E9D8349045A8}" type="datetimeFigureOut">
               <a:rPr lang="ko-KR" altLang="en-US" smtClean="0"/>
-              <a:t>2021-07-24</a:t>
+              <a:t>2021-08-14</a:t>
             </a:fld>
             <a:endParaRPr lang="ko-KR" altLang="en-US"/>
           </a:p>
@@ -1712,7 +1712,7 @@
           <a:p>
             <a:fld id="{BA4B8FC4-2B94-4981-BC67-E9D8349045A8}" type="datetimeFigureOut">
               <a:rPr lang="ko-KR" altLang="en-US" smtClean="0"/>
-              <a:t>2021-07-24</a:t>
+              <a:t>2021-08-14</a:t>
             </a:fld>
             <a:endParaRPr lang="ko-KR" altLang="en-US"/>
           </a:p>
@@ -1807,7 +1807,7 @@
           <a:p>
             <a:fld id="{BA4B8FC4-2B94-4981-BC67-E9D8349045A8}" type="datetimeFigureOut">
               <a:rPr lang="ko-KR" altLang="en-US" smtClean="0"/>
-              <a:t>2021-07-24</a:t>
+              <a:t>2021-08-14</a:t>
             </a:fld>
             <a:endParaRPr lang="ko-KR" altLang="en-US"/>
           </a:p>
@@ -2082,7 +2082,7 @@
           <a:p>
             <a:fld id="{BA4B8FC4-2B94-4981-BC67-E9D8349045A8}" type="datetimeFigureOut">
               <a:rPr lang="ko-KR" altLang="en-US" smtClean="0"/>
-              <a:t>2021-07-24</a:t>
+              <a:t>2021-08-14</a:t>
             </a:fld>
             <a:endParaRPr lang="ko-KR" altLang="en-US"/>
           </a:p>
@@ -2334,7 +2334,7 @@
           <a:p>
             <a:fld id="{BA4B8FC4-2B94-4981-BC67-E9D8349045A8}" type="datetimeFigureOut">
               <a:rPr lang="ko-KR" altLang="en-US" smtClean="0"/>
-              <a:t>2021-07-24</a:t>
+              <a:t>2021-08-14</a:t>
             </a:fld>
             <a:endParaRPr lang="ko-KR" altLang="en-US"/>
           </a:p>
@@ -2545,7 +2545,7 @@
           <a:p>
             <a:fld id="{BA4B8FC4-2B94-4981-BC67-E9D8349045A8}" type="datetimeFigureOut">
               <a:rPr lang="ko-KR" altLang="en-US" smtClean="0"/>
-              <a:t>2021-07-24</a:t>
+              <a:t>2021-08-14</a:t>
             </a:fld>
             <a:endParaRPr lang="ko-KR" altLang="en-US"/>
           </a:p>
@@ -3208,11 +3208,15 @@
             </a:r>
             <a:r>
               <a:rPr lang="en-US" altLang="ko-KR" dirty="0"/>
-              <a:t> - </a:t>
-            </a:r>
-            <a:r>
-              <a:rPr lang="en-US" altLang="ko-KR" dirty="0" err="1"/>
-              <a:t>c#</a:t>
+              <a:t> </a:t>
+            </a:r>
+            <a:r>
+              <a:rPr lang="en-US" altLang="ko-KR" dirty="0" smtClean="0"/>
+              <a:t>– </a:t>
+            </a:r>
+            <a:r>
+              <a:rPr lang="en-US" altLang="ko-KR" dirty="0" smtClean="0"/>
+              <a:t>C#</a:t>
             </a:r>
             <a:endParaRPr lang="en-US" altLang="ko-KR" dirty="0"/>
           </a:p>
@@ -3556,12 +3560,8 @@
               <a:t>Raspberry Pi.1 - </a:t>
             </a:r>
             <a:r>
-              <a:rPr lang="en-US" altLang="ko-KR" dirty="0" err="1"/>
-              <a:t>Clinet</a:t>
-            </a:r>
-            <a:r>
-              <a:rPr lang="en-US" altLang="ko-KR" dirty="0"/>
-              <a:t> </a:t>
+              <a:rPr lang="en-US" altLang="ko-KR" dirty="0" smtClean="0"/>
+              <a:t>Client </a:t>
             </a:r>
             <a:endParaRPr lang="ko-KR" altLang="en-US" dirty="0"/>
           </a:p>
@@ -3690,7 +3690,7 @@
         <p:spPr>
           <a:xfrm>
             <a:off x="6695013" y="3604818"/>
-            <a:ext cx="3010620" cy="1323439"/>
+            <a:ext cx="3010620" cy="1077218"/>
           </a:xfrm>
           <a:prstGeom prst="rect">
             <a:avLst/>
@@ -3704,23 +3704,20 @@
           <a:lstStyle/>
           <a:p>
             <a:r>
-              <a:rPr lang="en-US" altLang="ko-KR" sz="1600" dirty="0"/>
-              <a:t>Pi cam – </a:t>
-            </a:r>
-            <a:r>
-              <a:rPr lang="ko-KR" altLang="en-US" sz="1600" dirty="0"/>
-              <a:t>제품 확인</a:t>
-            </a:r>
-            <a:endParaRPr lang="en-US" altLang="ko-KR" sz="1600" dirty="0"/>
-          </a:p>
-          <a:p>
-            <a:r>
-              <a:rPr lang="en-US" altLang="ko-KR" sz="1600" dirty="0"/>
-              <a:t>Robot Arm – </a:t>
-            </a:r>
-            <a:r>
-              <a:rPr lang="ko-KR" altLang="en-US" sz="1600" dirty="0"/>
-              <a:t>제품 이동</a:t>
+              <a:rPr lang="en-US" altLang="ko-KR" sz="1600" dirty="0" smtClean="0"/>
+              <a:t>Servo </a:t>
+            </a:r>
+            <a:r>
+              <a:rPr lang="en-US" altLang="ko-KR" sz="1600" dirty="0" err="1" smtClean="0"/>
+              <a:t>moter</a:t>
+            </a:r>
+            <a:r>
+              <a:rPr lang="en-US" altLang="ko-KR" sz="1600" dirty="0" smtClean="0"/>
+              <a:t> – </a:t>
+            </a:r>
+            <a:r>
+              <a:rPr lang="ko-KR" altLang="en-US" sz="1600" dirty="0" smtClean="0"/>
+              <a:t>제품 분류</a:t>
             </a:r>
             <a:endParaRPr lang="en-US" altLang="ko-KR" sz="1600" dirty="0"/>
           </a:p>
@@ -4157,8 +4154,12 @@
               <a:t>, </a:t>
             </a:r>
             <a:r>
-              <a:rPr lang="ko-KR" altLang="en-US" dirty="0"/>
-              <a:t>로봇 팔 키트</a:t>
+              <a:rPr lang="ko-KR" altLang="en-US" dirty="0" err="1" smtClean="0"/>
+              <a:t>서보</a:t>
+            </a:r>
+            <a:r>
+              <a:rPr lang="ko-KR" altLang="en-US" dirty="0" smtClean="0"/>
+              <a:t> 모터</a:t>
             </a:r>
             <a:endParaRPr lang="en-US" altLang="ko-KR" dirty="0"/>
           </a:p>

--- a/doc/01. 프로젝트 설계/01. 소프트웨어 요구사항 명세서/2조 구조.pptx
+++ b/doc/01. 프로젝트 설계/01. 소프트웨어 요구사항 명세서/2조 구조.pptx
@@ -3689,7 +3689,7 @@
         </p:nvSpPr>
         <p:spPr>
           <a:xfrm>
-            <a:off x="6695013" y="3604818"/>
+            <a:off x="6620773" y="3695859"/>
             <a:ext cx="3010620" cy="1077218"/>
           </a:xfrm>
           <a:prstGeom prst="rect">
@@ -4089,7 +4089,7 @@
         <p:spPr>
           <a:xfrm>
             <a:off x="319177" y="224287"/>
-            <a:ext cx="11542144" cy="5632311"/>
+            <a:ext cx="11542144" cy="5078313"/>
           </a:xfrm>
           <a:prstGeom prst="rect">
             <a:avLst/>
@@ -4119,10 +4119,14 @@
             </a:r>
             <a:r>
               <a:rPr lang="en-US" altLang="ko-KR" dirty="0"/>
-              <a:t>, Pi cam – 2</a:t>
-            </a:r>
-            <a:r>
-              <a:rPr lang="ko-KR" altLang="en-US" dirty="0"/>
+              <a:t>, Pi cam – </a:t>
+            </a:r>
+            <a:r>
+              <a:rPr lang="en-US" altLang="ko-KR" dirty="0" smtClean="0"/>
+              <a:t>1</a:t>
+            </a:r>
+            <a:r>
+              <a:rPr lang="ko-KR" altLang="en-US" dirty="0" smtClean="0"/>
               <a:t>개</a:t>
             </a:r>
             <a:r>
@@ -4134,11 +4138,11 @@
               <a:t>적외선 센서 </a:t>
             </a:r>
             <a:r>
-              <a:rPr lang="en-US" altLang="ko-KR" dirty="0"/>
-              <a:t>2</a:t>
-            </a:r>
-            <a:r>
-              <a:rPr lang="ko-KR" altLang="en-US" dirty="0"/>
+              <a:rPr lang="en-US" altLang="ko-KR" dirty="0" smtClean="0"/>
+              <a:t>2+@</a:t>
+            </a:r>
+            <a:r>
+              <a:rPr lang="ko-KR" altLang="en-US" dirty="0" smtClean="0"/>
               <a:t>개</a:t>
             </a:r>
             <a:r>
@@ -4168,47 +4172,25 @@
           </a:p>
           <a:p>
             <a:r>
-              <a:rPr lang="ko-KR" altLang="en-US" dirty="0"/>
-              <a:t>공통</a:t>
-            </a:r>
-            <a:r>
-              <a:rPr lang="en-US" altLang="ko-KR" dirty="0"/>
-              <a:t> </a:t>
-            </a:r>
-            <a:r>
-              <a:rPr lang="ko-KR" altLang="en-US" dirty="0"/>
-              <a:t>업무</a:t>
+              <a:rPr lang="ko-KR" altLang="en-US" dirty="0" smtClean="0"/>
+              <a:t>곽연호</a:t>
             </a:r>
             <a:endParaRPr lang="en-US" altLang="ko-KR" dirty="0"/>
           </a:p>
           <a:p>
             <a:r>
-              <a:rPr lang="ko-KR" altLang="en-US" dirty="0"/>
-              <a:t> </a:t>
-            </a:r>
-            <a:r>
-              <a:rPr lang="en-US" altLang="ko-KR" dirty="0"/>
-              <a:t>- </a:t>
-            </a:r>
-            <a:r>
-              <a:rPr lang="ko-KR" altLang="en-US" dirty="0"/>
-              <a:t>전체적인 시나리오</a:t>
+              <a:rPr lang="en-US" altLang="ko-KR" dirty="0" smtClean="0"/>
+              <a:t> - </a:t>
+            </a:r>
+            <a:r>
+              <a:rPr lang="ko-KR" altLang="en-US" dirty="0" smtClean="0"/>
+              <a:t>디스플레이</a:t>
+            </a:r>
+            <a:r>
+              <a:rPr lang="en-US" altLang="ko-KR" dirty="0" smtClean="0"/>
+              <a:t>(UI)</a:t>
             </a:r>
             <a:endParaRPr lang="en-US" altLang="ko-KR" dirty="0"/>
-          </a:p>
-          <a:p>
-            <a:r>
-              <a:rPr lang="en-US" altLang="ko-KR" dirty="0"/>
-              <a:t> - </a:t>
-            </a:r>
-            <a:r>
-              <a:rPr lang="ko-KR" altLang="en-US" dirty="0"/>
-              <a:t>디스플레이</a:t>
-            </a:r>
-            <a:r>
-              <a:rPr lang="en-US" altLang="ko-KR" dirty="0"/>
-              <a:t>(UI)</a:t>
-            </a:r>
           </a:p>
           <a:p>
             <a:r>
@@ -4238,8 +4220,8 @@
           </a:p>
           <a:p>
             <a:r>
-              <a:rPr lang="ko-KR" altLang="en-US" dirty="0"/>
-              <a:t>류정석</a:t>
+              <a:rPr lang="ko-KR" altLang="en-US" dirty="0" smtClean="0"/>
+              <a:t>이동진</a:t>
             </a:r>
             <a:endParaRPr lang="en-US" altLang="ko-KR" dirty="0"/>
           </a:p>
@@ -4264,18 +4246,11 @@
             </a:r>
             <a:r>
               <a:rPr lang="ko-KR" altLang="en-US" dirty="0"/>
-              <a:t>모터 및 센서 제어</a:t>
-            </a:r>
-            <a:endParaRPr lang="en-US" altLang="ko-KR" dirty="0"/>
-          </a:p>
-          <a:p>
-            <a:r>
-              <a:rPr lang="en-US" altLang="ko-KR" dirty="0"/>
-              <a:t> - 3D </a:t>
-            </a:r>
-            <a:r>
-              <a:rPr lang="ko-KR" altLang="en-US" dirty="0"/>
-              <a:t>모델링</a:t>
+              <a:t>모터 및 센서 </a:t>
+            </a:r>
+            <a:r>
+              <a:rPr lang="ko-KR" altLang="en-US" dirty="0" smtClean="0"/>
+              <a:t>제어</a:t>
             </a:r>
             <a:endParaRPr lang="en-US" altLang="ko-KR" dirty="0"/>
           </a:p>
@@ -4340,7 +4315,7 @@
               <a:rPr lang="ko-KR" altLang="en-US" dirty="0"/>
               <a:t>설계</a:t>
             </a:r>
-            <a:endParaRPr lang="en-US" altLang="ko-KR" dirty="0"/>
+            <a:endParaRPr lang="en-US" altLang="ko-KR" b="1" dirty="0"/>
           </a:p>
           <a:p>
             <a:endParaRPr lang="en-US" altLang="ko-KR" dirty="0"/>
